--- a/Powerpoints/20532C-07_Storing and Consuming Files from Azure Storage.pptx
+++ b/Powerpoints/20532C-07_Storing and Consuming Files from Azure Storage.pptx
@@ -39,35 +39,35 @@
   <p:notesSz cx="6858000" cy="9144000"/>
   <p:embeddedFontLst>
     <p:embeddedFont>
-      <p:font typeface="Segoe" panose="020B0502040504020203" pitchFamily="34" charset="0"/>
+      <p:font typeface="Segoe" panose="020B0604020202020204" charset="0"/>
       <p:regular r:id="rId29"/>
       <p:bold r:id="rId30"/>
       <p:italic r:id="rId31"/>
       <p:boldItalic r:id="rId32"/>
     </p:embeddedFont>
     <p:embeddedFont>
-      <p:font typeface="Verdana" panose="020B0604030504040204" pitchFamily="34" charset="0"/>
+      <p:font typeface="Calibri" panose="020F0502020204030204" pitchFamily="34" charset="0"/>
       <p:regular r:id="rId33"/>
       <p:bold r:id="rId34"/>
       <p:italic r:id="rId35"/>
       <p:boldItalic r:id="rId36"/>
     </p:embeddedFont>
     <p:embeddedFont>
-      <p:font typeface="Segoe UI" panose="020B0502040204020203" pitchFamily="34" charset="0"/>
+      <p:font typeface="Consolas" panose="020B0609020204030204" pitchFamily="49" charset="0"/>
       <p:regular r:id="rId37"/>
       <p:bold r:id="rId38"/>
       <p:italic r:id="rId39"/>
       <p:boldItalic r:id="rId40"/>
     </p:embeddedFont>
     <p:embeddedFont>
-      <p:font typeface="Consolas" panose="020B0609020204030204" pitchFamily="49" charset="0"/>
+      <p:font typeface="Segoe UI" panose="020B0502040204020203" pitchFamily="34" charset="0"/>
       <p:regular r:id="rId41"/>
       <p:bold r:id="rId42"/>
       <p:italic r:id="rId43"/>
       <p:boldItalic r:id="rId44"/>
     </p:embeddedFont>
     <p:embeddedFont>
-      <p:font typeface="Calibri" panose="020F0502020204030204" pitchFamily="34" charset="0"/>
+      <p:font typeface="Verdana" panose="020B0604030504040204" pitchFamily="34" charset="0"/>
       <p:regular r:id="rId45"/>
       <p:bold r:id="rId46"/>
       <p:italic r:id="rId47"/>
@@ -2311,38 +2311,38 @@
     </dgm:pt>
   </dgm:ptLst>
   <dgm:cxnLst>
-    <dgm:cxn modelId="{18FA21B4-23E5-40E2-ABBA-4202D6BEF546}" type="presOf" srcId="{172CA7EF-237D-4425-AA46-57B7EAB68FD9}" destId="{32DF48C3-CCF0-4364-AA38-2B570A88CBD5}" srcOrd="1" destOrd="0" presId="urn:microsoft.com/office/officeart/2005/8/layout/hierarchy5"/>
-    <dgm:cxn modelId="{961D95BC-9D6F-4FA5-BE85-A1ACB101DA55}" type="presOf" srcId="{EC1F9FF6-49DD-4C16-97D4-BEBE9C22AD86}" destId="{BC388E0F-7A52-4A13-887B-EF52BE348820}" srcOrd="0" destOrd="0" presId="urn:microsoft.com/office/officeart/2005/8/layout/hierarchy5"/>
+    <dgm:cxn modelId="{D04B3908-29BA-4CAF-8A97-484006056E04}" srcId="{4AE042CC-B4FB-4DA1-85C7-E16FC87853C5}" destId="{EC1F9FF6-49DD-4C16-97D4-BEBE9C22AD86}" srcOrd="3" destOrd="0" parTransId="{7BA50816-CB0B-4F86-B363-D5546ABC080B}" sibTransId="{5686051B-204E-4D74-B70B-C377CE3E0A06}"/>
+    <dgm:cxn modelId="{083C2B10-CAE6-4E01-9546-8C310D5620C5}" type="presOf" srcId="{62EF07B9-B6B9-459E-ACFF-7A887B45D290}" destId="{88955B3A-580A-4EDC-BDA1-C5D9A85B104E}" srcOrd="1" destOrd="0" presId="urn:microsoft.com/office/officeart/2005/8/layout/hierarchy5"/>
+    <dgm:cxn modelId="{8672951B-B1C6-40C9-8FA4-237EE016D951}" srcId="{4AE042CC-B4FB-4DA1-85C7-E16FC87853C5}" destId="{172CA7EF-237D-4425-AA46-57B7EAB68FD9}" srcOrd="2" destOrd="0" parTransId="{AA3514EC-86A7-419E-A8E0-887894BD7ECE}" sibTransId="{871CA9C3-79D9-42C7-8B3C-2897294D9A1F}"/>
+    <dgm:cxn modelId="{49F6D920-B450-4521-873D-8B54CC626DCE}" type="presOf" srcId="{4685DAA1-E04C-4C29-B8A6-E23CAAC5AEED}" destId="{CCD48606-152F-43D3-91E1-08769548824D}" srcOrd="1" destOrd="0" presId="urn:microsoft.com/office/officeart/2005/8/layout/hierarchy5"/>
+    <dgm:cxn modelId="{8CB64627-264C-45B5-B940-F56338383EFD}" type="presOf" srcId="{EC1F9FF6-49DD-4C16-97D4-BEBE9C22AD86}" destId="{F0133E2E-B801-4CC9-853C-814925EC6510}" srcOrd="1" destOrd="0" presId="urn:microsoft.com/office/officeart/2005/8/layout/hierarchy5"/>
+    <dgm:cxn modelId="{8B76A436-3B58-4D83-A9E7-CABD27C302D6}" type="presOf" srcId="{800DF04A-1619-4AC3-BFEA-32B5F5CA174B}" destId="{4155D7C3-E983-4E6D-9BF4-9CAAB733B73B}" srcOrd="0" destOrd="0" presId="urn:microsoft.com/office/officeart/2005/8/layout/hierarchy5"/>
+    <dgm:cxn modelId="{0F06CC39-D865-4F83-AAC2-4C91B3D2EB7C}" type="presOf" srcId="{7D126980-368F-4A7F-A34C-2DEFE71ED05F}" destId="{10A4AFBB-18F3-43B7-A4BB-2A1512A46503}" srcOrd="0" destOrd="0" presId="urn:microsoft.com/office/officeart/2005/8/layout/hierarchy5"/>
+    <dgm:cxn modelId="{6464B341-A2B8-4862-B9AD-3731AD482C36}" srcId="{35E681C7-7EF8-4282-B072-02400EB1AD73}" destId="{A090A995-2421-474E-83EB-4BADD2779263}" srcOrd="1" destOrd="0" parTransId="{9576AD15-25E0-4715-B42E-25C7552644E2}" sibTransId="{9751CE3E-F3E7-41C8-B934-9959773C32F5}"/>
+    <dgm:cxn modelId="{BEFFB866-F810-48F8-90AE-BC81B28AB7B2}" type="presOf" srcId="{63DD6D8A-5770-47CF-8F13-EABD075F9BD3}" destId="{1192BF59-491C-4058-9D3C-F5A09898FC13}" srcOrd="1" destOrd="0" presId="urn:microsoft.com/office/officeart/2005/8/layout/hierarchy5"/>
+    <dgm:cxn modelId="{1B7CB168-2AC7-4B2B-9C2A-02BFF15178EE}" type="presOf" srcId="{35E681C7-7EF8-4282-B072-02400EB1AD73}" destId="{ABA04602-C7B3-4C38-A9B0-89016F9A0215}" srcOrd="0" destOrd="0" presId="urn:microsoft.com/office/officeart/2005/8/layout/hierarchy5"/>
+    <dgm:cxn modelId="{9F08EC70-BCE7-432D-A276-22854EC52CE9}" type="presOf" srcId="{63DD6D8A-5770-47CF-8F13-EABD075F9BD3}" destId="{FED66D33-D291-4EB9-9F45-E08E779B0DDE}" srcOrd="0" destOrd="0" presId="urn:microsoft.com/office/officeart/2005/8/layout/hierarchy5"/>
+    <dgm:cxn modelId="{BD717657-2505-4851-9EBC-2FEAD785BB33}" srcId="{4AE042CC-B4FB-4DA1-85C7-E16FC87853C5}" destId="{35E681C7-7EF8-4282-B072-02400EB1AD73}" srcOrd="0" destOrd="0" parTransId="{5B92CD20-79EC-44DD-8F33-EA648BFB85AA}" sibTransId="{30CFEDCB-3C8C-471A-B518-3E3A6DCAB14A}"/>
+    <dgm:cxn modelId="{6F92BF57-E311-497E-A4FE-2E671E582218}" type="presOf" srcId="{9576AD15-25E0-4715-B42E-25C7552644E2}" destId="{CB77EA43-5E7A-449E-92B5-B90875E4CC4D}" srcOrd="1" destOrd="0" presId="urn:microsoft.com/office/officeart/2005/8/layout/hierarchy5"/>
+    <dgm:cxn modelId="{27E0E188-C8B6-4E4E-A7C4-6A5BA1FEB232}" type="presOf" srcId="{3D77DB69-23DC-4305-9EF4-69381423E66B}" destId="{828116C0-2929-4AE1-953F-3531D5EF8921}" srcOrd="1" destOrd="0" presId="urn:microsoft.com/office/officeart/2005/8/layout/hierarchy5"/>
+    <dgm:cxn modelId="{6CC29B8C-1930-4F12-8796-03942DA99522}" type="presOf" srcId="{3D77DB69-23DC-4305-9EF4-69381423E66B}" destId="{7ACAEFD4-E989-41B8-80C5-FD8D7E6A0F35}" srcOrd="0" destOrd="0" presId="urn:microsoft.com/office/officeart/2005/8/layout/hierarchy5"/>
+    <dgm:cxn modelId="{7111A28E-D2FC-46A9-9F81-8642E800DD0E}" type="presOf" srcId="{9576AD15-25E0-4715-B42E-25C7552644E2}" destId="{9FFAC8CA-6AC4-4572-8E90-5C17C9384AFC}" srcOrd="0" destOrd="0" presId="urn:microsoft.com/office/officeart/2005/8/layout/hierarchy5"/>
+    <dgm:cxn modelId="{8A3FB692-D9D8-4C1F-AB38-4E3D544888F5}" srcId="{4AE042CC-B4FB-4DA1-85C7-E16FC87853C5}" destId="{3D77DB69-23DC-4305-9EF4-69381423E66B}" srcOrd="1" destOrd="0" parTransId="{F6EFF35B-1759-4064-9BB8-56CB9A9DB034}" sibTransId="{EC9B7101-B9FD-42DB-8593-2BC97A6D798C}"/>
+    <dgm:cxn modelId="{6B9D4A99-CFCE-42BA-8F5F-16D4CE67EA2E}" type="presOf" srcId="{4AE042CC-B4FB-4DA1-85C7-E16FC87853C5}" destId="{90794BF1-111C-4D41-BEE8-8D33F7E4E42C}" srcOrd="0" destOrd="0" presId="urn:microsoft.com/office/officeart/2005/8/layout/hierarchy5"/>
+    <dgm:cxn modelId="{1CE8D6AB-16BB-408C-9338-AD01C1077F5F}" type="presOf" srcId="{172CA7EF-237D-4425-AA46-57B7EAB68FD9}" destId="{1BE110C8-FE28-4BD5-B87E-A05880DF352F}" srcOrd="0" destOrd="0" presId="urn:microsoft.com/office/officeart/2005/8/layout/hierarchy5"/>
     <dgm:cxn modelId="{8C98D6AC-9B26-4812-85AB-D0199835EDCD}" type="presOf" srcId="{62EF07B9-B6B9-459E-ACFF-7A887B45D290}" destId="{53979587-FADE-41DC-87F8-A5F52A5DB855}" srcOrd="0" destOrd="0" presId="urn:microsoft.com/office/officeart/2005/8/layout/hierarchy5"/>
-    <dgm:cxn modelId="{49F6D920-B450-4521-873D-8B54CC626DCE}" type="presOf" srcId="{4685DAA1-E04C-4C29-B8A6-E23CAAC5AEED}" destId="{CCD48606-152F-43D3-91E1-08769548824D}" srcOrd="1" destOrd="0" presId="urn:microsoft.com/office/officeart/2005/8/layout/hierarchy5"/>
-    <dgm:cxn modelId="{7B2670DC-F9C0-4334-8181-469783733EC4}" type="presOf" srcId="{FC80D2ED-D512-4144-869C-675013BA1EB2}" destId="{5C0A62EE-F132-4D4E-A4EF-032DBAAC28B5}" srcOrd="0" destOrd="0" presId="urn:microsoft.com/office/officeart/2005/8/layout/hierarchy5"/>
-    <dgm:cxn modelId="{3CBB7FB3-E82B-42D0-869E-5391BEBD2C24}" type="presOf" srcId="{03D890F5-5A39-432C-9C07-2B7DA24FAA55}" destId="{16EDA41D-82D5-4192-B7D4-8FB2DA643520}" srcOrd="0" destOrd="0" presId="urn:microsoft.com/office/officeart/2005/8/layout/hierarchy5"/>
-    <dgm:cxn modelId="{4C6DA6B7-AF62-4A15-85A7-7A31BB428D8F}" type="presOf" srcId="{7D126980-368F-4A7F-A34C-2DEFE71ED05F}" destId="{FFCE5990-A0F3-447F-B511-59647C730D6D}" srcOrd="1" destOrd="0" presId="urn:microsoft.com/office/officeart/2005/8/layout/hierarchy5"/>
-    <dgm:cxn modelId="{8A3FB692-D9D8-4C1F-AB38-4E3D544888F5}" srcId="{4AE042CC-B4FB-4DA1-85C7-E16FC87853C5}" destId="{3D77DB69-23DC-4305-9EF4-69381423E66B}" srcOrd="1" destOrd="0" parTransId="{F6EFF35B-1759-4064-9BB8-56CB9A9DB034}" sibTransId="{EC9B7101-B9FD-42DB-8593-2BC97A6D798C}"/>
-    <dgm:cxn modelId="{BEFFB866-F810-48F8-90AE-BC81B28AB7B2}" type="presOf" srcId="{63DD6D8A-5770-47CF-8F13-EABD075F9BD3}" destId="{1192BF59-491C-4058-9D3C-F5A09898FC13}" srcOrd="1" destOrd="0" presId="urn:microsoft.com/office/officeart/2005/8/layout/hierarchy5"/>
-    <dgm:cxn modelId="{8672951B-B1C6-40C9-8FA4-237EE016D951}" srcId="{4AE042CC-B4FB-4DA1-85C7-E16FC87853C5}" destId="{172CA7EF-237D-4425-AA46-57B7EAB68FD9}" srcOrd="2" destOrd="0" parTransId="{AA3514EC-86A7-419E-A8E0-887894BD7ECE}" sibTransId="{871CA9C3-79D9-42C7-8B3C-2897294D9A1F}"/>
-    <dgm:cxn modelId="{8B76A436-3B58-4D83-A9E7-CABD27C302D6}" type="presOf" srcId="{800DF04A-1619-4AC3-BFEA-32B5F5CA174B}" destId="{4155D7C3-E983-4E6D-9BF4-9CAAB733B73B}" srcOrd="0" destOrd="0" presId="urn:microsoft.com/office/officeart/2005/8/layout/hierarchy5"/>
-    <dgm:cxn modelId="{6F92BF57-E311-497E-A4FE-2E671E582218}" type="presOf" srcId="{9576AD15-25E0-4715-B42E-25C7552644E2}" destId="{CB77EA43-5E7A-449E-92B5-B90875E4CC4D}" srcOrd="1" destOrd="0" presId="urn:microsoft.com/office/officeart/2005/8/layout/hierarchy5"/>
-    <dgm:cxn modelId="{D04B3908-29BA-4CAF-8A97-484006056E04}" srcId="{4AE042CC-B4FB-4DA1-85C7-E16FC87853C5}" destId="{EC1F9FF6-49DD-4C16-97D4-BEBE9C22AD86}" srcOrd="3" destOrd="0" parTransId="{7BA50816-CB0B-4F86-B363-D5546ABC080B}" sibTransId="{5686051B-204E-4D74-B70B-C377CE3E0A06}"/>
-    <dgm:cxn modelId="{576732D7-2872-4A0F-9635-171AA439D62D}" srcId="{03D890F5-5A39-432C-9C07-2B7DA24FAA55}" destId="{9215E104-5706-4E04-A4B2-4903414CD9B4}" srcOrd="0" destOrd="0" parTransId="{63DD6D8A-5770-47CF-8F13-EABD075F9BD3}" sibTransId="{83B86C4F-260C-4B73-B225-BD82D3F371BB}"/>
-    <dgm:cxn modelId="{083C2B10-CAE6-4E01-9546-8C310D5620C5}" type="presOf" srcId="{62EF07B9-B6B9-459E-ACFF-7A887B45D290}" destId="{88955B3A-580A-4EDC-BDA1-C5D9A85B104E}" srcOrd="1" destOrd="0" presId="urn:microsoft.com/office/officeart/2005/8/layout/hierarchy5"/>
-    <dgm:cxn modelId="{27E0E188-C8B6-4E4E-A7C4-6A5BA1FEB232}" type="presOf" srcId="{3D77DB69-23DC-4305-9EF4-69381423E66B}" destId="{828116C0-2929-4AE1-953F-3531D5EF8921}" srcOrd="1" destOrd="0" presId="urn:microsoft.com/office/officeart/2005/8/layout/hierarchy5"/>
-    <dgm:cxn modelId="{6464B341-A2B8-4862-B9AD-3731AD482C36}" srcId="{35E681C7-7EF8-4282-B072-02400EB1AD73}" destId="{A090A995-2421-474E-83EB-4BADD2779263}" srcOrd="1" destOrd="0" parTransId="{9576AD15-25E0-4715-B42E-25C7552644E2}" sibTransId="{9751CE3E-F3E7-41C8-B934-9959773C32F5}"/>
-    <dgm:cxn modelId="{2EFA84FD-95B3-460F-8AB4-71BC3969DF4A}" type="presOf" srcId="{A090A995-2421-474E-83EB-4BADD2779263}" destId="{B8D5BF76-E792-496F-9D6C-7BF87EF57022}" srcOrd="0" destOrd="0" presId="urn:microsoft.com/office/officeart/2005/8/layout/hierarchy5"/>
-    <dgm:cxn modelId="{306B65F1-97BC-49E8-AFA6-C534529A0D76}" type="presOf" srcId="{4685DAA1-E04C-4C29-B8A6-E23CAAC5AEED}" destId="{DC6D8191-60A8-4505-A5B9-8E1C945181A2}" srcOrd="0" destOrd="0" presId="urn:microsoft.com/office/officeart/2005/8/layout/hierarchy5"/>
-    <dgm:cxn modelId="{8D5A9BDE-715C-46EF-88D2-13F8199DC6F9}" srcId="{35E681C7-7EF8-4282-B072-02400EB1AD73}" destId="{03D890F5-5A39-432C-9C07-2B7DA24FAA55}" srcOrd="0" destOrd="0" parTransId="{62EF07B9-B6B9-459E-ACFF-7A887B45D290}" sibTransId="{700938F3-F2DA-49BA-9EDF-FEDFABB36221}"/>
-    <dgm:cxn modelId="{7111A28E-D2FC-46A9-9F81-8642E800DD0E}" type="presOf" srcId="{9576AD15-25E0-4715-B42E-25C7552644E2}" destId="{9FFAC8CA-6AC4-4572-8E90-5C17C9384AFC}" srcOrd="0" destOrd="0" presId="urn:microsoft.com/office/officeart/2005/8/layout/hierarchy5"/>
-    <dgm:cxn modelId="{0F06CC39-D865-4F83-AAC2-4C91B3D2EB7C}" type="presOf" srcId="{7D126980-368F-4A7F-A34C-2DEFE71ED05F}" destId="{10A4AFBB-18F3-43B7-A4BB-2A1512A46503}" srcOrd="0" destOrd="0" presId="urn:microsoft.com/office/officeart/2005/8/layout/hierarchy5"/>
     <dgm:cxn modelId="{64730DAD-329F-4DB9-8540-6B97C0540584}" srcId="{03D890F5-5A39-432C-9C07-2B7DA24FAA55}" destId="{FC80D2ED-D512-4144-869C-675013BA1EB2}" srcOrd="1" destOrd="0" parTransId="{7D126980-368F-4A7F-A34C-2DEFE71ED05F}" sibTransId="{2023308B-0BE3-4250-865F-21D6FE819E6C}"/>
     <dgm:cxn modelId="{B89A6FB3-C099-4E2D-9048-BE7A8CB29544}" srcId="{A090A995-2421-474E-83EB-4BADD2779263}" destId="{800DF04A-1619-4AC3-BFEA-32B5F5CA174B}" srcOrd="0" destOrd="0" parTransId="{4685DAA1-E04C-4C29-B8A6-E23CAAC5AEED}" sibTransId="{1F43ADA9-AB2F-421F-8809-3E562ACD04E9}"/>
-    <dgm:cxn modelId="{BD717657-2505-4851-9EBC-2FEAD785BB33}" srcId="{4AE042CC-B4FB-4DA1-85C7-E16FC87853C5}" destId="{35E681C7-7EF8-4282-B072-02400EB1AD73}" srcOrd="0" destOrd="0" parTransId="{5B92CD20-79EC-44DD-8F33-EA648BFB85AA}" sibTransId="{30CFEDCB-3C8C-471A-B518-3E3A6DCAB14A}"/>
-    <dgm:cxn modelId="{6B9D4A99-CFCE-42BA-8F5F-16D4CE67EA2E}" type="presOf" srcId="{4AE042CC-B4FB-4DA1-85C7-E16FC87853C5}" destId="{90794BF1-111C-4D41-BEE8-8D33F7E4E42C}" srcOrd="0" destOrd="0" presId="urn:microsoft.com/office/officeart/2005/8/layout/hierarchy5"/>
-    <dgm:cxn modelId="{1B7CB168-2AC7-4B2B-9C2A-02BFF15178EE}" type="presOf" srcId="{35E681C7-7EF8-4282-B072-02400EB1AD73}" destId="{ABA04602-C7B3-4C38-A9B0-89016F9A0215}" srcOrd="0" destOrd="0" presId="urn:microsoft.com/office/officeart/2005/8/layout/hierarchy5"/>
-    <dgm:cxn modelId="{6CC29B8C-1930-4F12-8796-03942DA99522}" type="presOf" srcId="{3D77DB69-23DC-4305-9EF4-69381423E66B}" destId="{7ACAEFD4-E989-41B8-80C5-FD8D7E6A0F35}" srcOrd="0" destOrd="0" presId="urn:microsoft.com/office/officeart/2005/8/layout/hierarchy5"/>
-    <dgm:cxn modelId="{8CB64627-264C-45B5-B940-F56338383EFD}" type="presOf" srcId="{EC1F9FF6-49DD-4C16-97D4-BEBE9C22AD86}" destId="{F0133E2E-B801-4CC9-853C-814925EC6510}" srcOrd="1" destOrd="0" presId="urn:microsoft.com/office/officeart/2005/8/layout/hierarchy5"/>
-    <dgm:cxn modelId="{1CE8D6AB-16BB-408C-9338-AD01C1077F5F}" type="presOf" srcId="{172CA7EF-237D-4425-AA46-57B7EAB68FD9}" destId="{1BE110C8-FE28-4BD5-B87E-A05880DF352F}" srcOrd="0" destOrd="0" presId="urn:microsoft.com/office/officeart/2005/8/layout/hierarchy5"/>
-    <dgm:cxn modelId="{9F08EC70-BCE7-432D-A276-22854EC52CE9}" type="presOf" srcId="{63DD6D8A-5770-47CF-8F13-EABD075F9BD3}" destId="{FED66D33-D291-4EB9-9F45-E08E779B0DDE}" srcOrd="0" destOrd="0" presId="urn:microsoft.com/office/officeart/2005/8/layout/hierarchy5"/>
+    <dgm:cxn modelId="{3CBB7FB3-E82B-42D0-869E-5391BEBD2C24}" type="presOf" srcId="{03D890F5-5A39-432C-9C07-2B7DA24FAA55}" destId="{16EDA41D-82D5-4192-B7D4-8FB2DA643520}" srcOrd="0" destOrd="0" presId="urn:microsoft.com/office/officeart/2005/8/layout/hierarchy5"/>
+    <dgm:cxn modelId="{18FA21B4-23E5-40E2-ABBA-4202D6BEF546}" type="presOf" srcId="{172CA7EF-237D-4425-AA46-57B7EAB68FD9}" destId="{32DF48C3-CCF0-4364-AA38-2B570A88CBD5}" srcOrd="1" destOrd="0" presId="urn:microsoft.com/office/officeart/2005/8/layout/hierarchy5"/>
     <dgm:cxn modelId="{F237B5B5-2C49-4507-9433-5EFE79981615}" type="presOf" srcId="{9215E104-5706-4E04-A4B2-4903414CD9B4}" destId="{89200BF8-A504-4976-97A3-910771D5C334}" srcOrd="0" destOrd="0" presId="urn:microsoft.com/office/officeart/2005/8/layout/hierarchy5"/>
+    <dgm:cxn modelId="{4C6DA6B7-AF62-4A15-85A7-7A31BB428D8F}" type="presOf" srcId="{7D126980-368F-4A7F-A34C-2DEFE71ED05F}" destId="{FFCE5990-A0F3-447F-B511-59647C730D6D}" srcOrd="1" destOrd="0" presId="urn:microsoft.com/office/officeart/2005/8/layout/hierarchy5"/>
+    <dgm:cxn modelId="{961D95BC-9D6F-4FA5-BE85-A1ACB101DA55}" type="presOf" srcId="{EC1F9FF6-49DD-4C16-97D4-BEBE9C22AD86}" destId="{BC388E0F-7A52-4A13-887B-EF52BE348820}" srcOrd="0" destOrd="0" presId="urn:microsoft.com/office/officeart/2005/8/layout/hierarchy5"/>
+    <dgm:cxn modelId="{576732D7-2872-4A0F-9635-171AA439D62D}" srcId="{03D890F5-5A39-432C-9C07-2B7DA24FAA55}" destId="{9215E104-5706-4E04-A4B2-4903414CD9B4}" srcOrd="0" destOrd="0" parTransId="{63DD6D8A-5770-47CF-8F13-EABD075F9BD3}" sibTransId="{83B86C4F-260C-4B73-B225-BD82D3F371BB}"/>
+    <dgm:cxn modelId="{7B2670DC-F9C0-4334-8181-469783733EC4}" type="presOf" srcId="{FC80D2ED-D512-4144-869C-675013BA1EB2}" destId="{5C0A62EE-F132-4D4E-A4EF-032DBAAC28B5}" srcOrd="0" destOrd="0" presId="urn:microsoft.com/office/officeart/2005/8/layout/hierarchy5"/>
+    <dgm:cxn modelId="{8D5A9BDE-715C-46EF-88D2-13F8199DC6F9}" srcId="{35E681C7-7EF8-4282-B072-02400EB1AD73}" destId="{03D890F5-5A39-432C-9C07-2B7DA24FAA55}" srcOrd="0" destOrd="0" parTransId="{62EF07B9-B6B9-459E-ACFF-7A887B45D290}" sibTransId="{700938F3-F2DA-49BA-9EDF-FEDFABB36221}"/>
+    <dgm:cxn modelId="{306B65F1-97BC-49E8-AFA6-C534529A0D76}" type="presOf" srcId="{4685DAA1-E04C-4C29-B8A6-E23CAAC5AEED}" destId="{DC6D8191-60A8-4505-A5B9-8E1C945181A2}" srcOrd="0" destOrd="0" presId="urn:microsoft.com/office/officeart/2005/8/layout/hierarchy5"/>
+    <dgm:cxn modelId="{2EFA84FD-95B3-460F-8AB4-71BC3969DF4A}" type="presOf" srcId="{A090A995-2421-474E-83EB-4BADD2779263}" destId="{B8D5BF76-E792-496F-9D6C-7BF87EF57022}" srcOrd="0" destOrd="0" presId="urn:microsoft.com/office/officeart/2005/8/layout/hierarchy5"/>
     <dgm:cxn modelId="{DB2D968C-9AD9-48FF-A729-B425379F273F}" type="presParOf" srcId="{90794BF1-111C-4D41-BEE8-8D33F7E4E42C}" destId="{BD4E5D87-D623-4BE8-B573-7100B2F2C967}" srcOrd="0" destOrd="0" presId="urn:microsoft.com/office/officeart/2005/8/layout/hierarchy5"/>
     <dgm:cxn modelId="{0D43A6C1-EF54-4724-A505-AB1AFBF3DC23}" type="presParOf" srcId="{BD4E5D87-D623-4BE8-B573-7100B2F2C967}" destId="{1A48B8F2-DE5D-46DB-A684-B6D118FEAAE4}" srcOrd="0" destOrd="0" presId="urn:microsoft.com/office/officeart/2005/8/layout/hierarchy5"/>
     <dgm:cxn modelId="{8F5DB30A-0CEA-4C65-95C9-FD45EB623E25}" type="presParOf" srcId="{BD4E5D87-D623-4BE8-B573-7100B2F2C967}" destId="{614F04DC-F41A-4287-A0FE-B5BECD4A4D21}" srcOrd="1" destOrd="0" presId="urn:microsoft.com/office/officeart/2005/8/layout/hierarchy5"/>
@@ -2566,12 +2566,12 @@
     </dgm:pt>
   </dgm:ptLst>
   <dgm:cxnLst>
+    <dgm:cxn modelId="{96F4FA17-A65E-4A95-943F-3EDD03B33D71}" type="presOf" srcId="{9BC78EDC-FEFF-4090-B81E-CE606D61B148}" destId="{FCD446B0-9739-4321-8EB0-B80BFC09B6FD}" srcOrd="0" destOrd="0" presId="urn:microsoft.com/office/officeart/2005/8/layout/default"/>
+    <dgm:cxn modelId="{91353825-5622-4C9C-9D82-500EF4786255}" type="presOf" srcId="{4B5E1D2B-AFB5-4794-8F4A-69125C476E63}" destId="{9085EF5B-73EF-454C-A502-7691ED0E7C9F}" srcOrd="0" destOrd="0" presId="urn:microsoft.com/office/officeart/2005/8/layout/default"/>
+    <dgm:cxn modelId="{400D2E73-D110-4BA8-BA61-579813EC3FFB}" srcId="{9BC78EDC-FEFF-4090-B81E-CE606D61B148}" destId="{4B5E1D2B-AFB5-4794-8F4A-69125C476E63}" srcOrd="2" destOrd="0" parTransId="{DEB950D6-6A37-4314-A731-C364F21F193E}" sibTransId="{40B329F0-45F5-4619-B2F3-1B4BFE4927A7}"/>
+    <dgm:cxn modelId="{8850CB93-1383-4D08-AA15-6D3C7467755C}" srcId="{9BC78EDC-FEFF-4090-B81E-CE606D61B148}" destId="{23B3BF28-BCE4-4C45-8A71-311085FA4846}" srcOrd="0" destOrd="0" parTransId="{7403CB25-3155-4986-A64E-EC3515387B3F}" sibTransId="{9A3F4A4C-06EE-4AEE-B368-0A38BC94A14B}"/>
+    <dgm:cxn modelId="{12FB30AA-7195-4EA3-9E99-CCA861C2E6F6}" type="presOf" srcId="{8554B200-235E-4233-8E8C-1B6D9E646845}" destId="{E31FDB3D-3EB4-4315-A16C-2A15FB78031A}" srcOrd="0" destOrd="0" presId="urn:microsoft.com/office/officeart/2005/8/layout/default"/>
     <dgm:cxn modelId="{32E965B6-C211-453E-BBBB-871E77276B4F}" srcId="{9BC78EDC-FEFF-4090-B81E-CE606D61B148}" destId="{8554B200-235E-4233-8E8C-1B6D9E646845}" srcOrd="1" destOrd="0" parTransId="{7B831E5E-4162-472E-B7BF-5BCA1529A244}" sibTransId="{0A4BBE22-A9BE-4006-B1B9-FBBF7FCD1674}"/>
-    <dgm:cxn modelId="{91353825-5622-4C9C-9D82-500EF4786255}" type="presOf" srcId="{4B5E1D2B-AFB5-4794-8F4A-69125C476E63}" destId="{9085EF5B-73EF-454C-A502-7691ED0E7C9F}" srcOrd="0" destOrd="0" presId="urn:microsoft.com/office/officeart/2005/8/layout/default"/>
-    <dgm:cxn modelId="{12FB30AA-7195-4EA3-9E99-CCA861C2E6F6}" type="presOf" srcId="{8554B200-235E-4233-8E8C-1B6D9E646845}" destId="{E31FDB3D-3EB4-4315-A16C-2A15FB78031A}" srcOrd="0" destOrd="0" presId="urn:microsoft.com/office/officeart/2005/8/layout/default"/>
-    <dgm:cxn modelId="{400D2E73-D110-4BA8-BA61-579813EC3FFB}" srcId="{9BC78EDC-FEFF-4090-B81E-CE606D61B148}" destId="{4B5E1D2B-AFB5-4794-8F4A-69125C476E63}" srcOrd="2" destOrd="0" parTransId="{DEB950D6-6A37-4314-A731-C364F21F193E}" sibTransId="{40B329F0-45F5-4619-B2F3-1B4BFE4927A7}"/>
-    <dgm:cxn modelId="{96F4FA17-A65E-4A95-943F-3EDD03B33D71}" type="presOf" srcId="{9BC78EDC-FEFF-4090-B81E-CE606D61B148}" destId="{FCD446B0-9739-4321-8EB0-B80BFC09B6FD}" srcOrd="0" destOrd="0" presId="urn:microsoft.com/office/officeart/2005/8/layout/default"/>
-    <dgm:cxn modelId="{8850CB93-1383-4D08-AA15-6D3C7467755C}" srcId="{9BC78EDC-FEFF-4090-B81E-CE606D61B148}" destId="{23B3BF28-BCE4-4C45-8A71-311085FA4846}" srcOrd="0" destOrd="0" parTransId="{7403CB25-3155-4986-A64E-EC3515387B3F}" sibTransId="{9A3F4A4C-06EE-4AEE-B368-0A38BC94A14B}"/>
     <dgm:cxn modelId="{23661FCE-FDE2-4B78-96AA-A3DACA743B32}" type="presOf" srcId="{23B3BF28-BCE4-4C45-8A71-311085FA4846}" destId="{EAF4E619-36B4-44BA-9191-8C53A80439D9}" srcOrd="0" destOrd="0" presId="urn:microsoft.com/office/officeart/2005/8/layout/default"/>
     <dgm:cxn modelId="{A7218327-6CDF-4A33-B075-E508D75C31DA}" type="presParOf" srcId="{FCD446B0-9739-4321-8EB0-B80BFC09B6FD}" destId="{EAF4E619-36B4-44BA-9191-8C53A80439D9}" srcOrd="0" destOrd="0" presId="urn:microsoft.com/office/officeart/2005/8/layout/default"/>
     <dgm:cxn modelId="{BFFEAC1C-C7B8-49CB-AE63-AA9A0C62C034}" type="presParOf" srcId="{FCD446B0-9739-4321-8EB0-B80BFC09B6FD}" destId="{9BDA4D21-4C20-43C1-85A4-7A92B4F284A2}" srcOrd="1" destOrd="0" presId="urn:microsoft.com/office/officeart/2005/8/layout/default"/>
@@ -6789,7 +6789,7 @@
           <a:p>
             <a:fld id="{20B225C8-CFDC-4CCC-9590-2E47F81C6CFA}" type="datetimeFigureOut">
               <a:rPr lang="en-US" smtClean="0"/>
-              <a:t>8/12/2016</a:t>
+              <a:t>4/25/2018</a:t>
             </a:fld>
             <a:endParaRPr lang="en-US"/>
           </a:p>
@@ -6884,7 +6884,6 @@
               <a:rPr lang="en-US"/>
               <a:t>Fifth level</a:t>
             </a:r>
-            <a:endParaRPr lang="en-US"/>
           </a:p>
         </p:txBody>
       </p:sp>
@@ -6948,7 +6947,7 @@
           <a:p>
             <a:fld id="{5D75EE63-3224-46C0-89F8-2AC078D030FF}" type="slidenum">
               <a:rPr lang="en-US" smtClean="0"/>
-              <a:t>‹#›</a:t>
+              <a:t>‹nr.›</a:t>
             </a:fld>
             <a:endParaRPr lang="en-US"/>
           </a:p>
@@ -7226,12 +7225,6 @@
               </a:rPr>
               <a:t>20532C</a:t>
             </a:r>
-            <a:endParaRPr lang="en-US" sz="1200">
-              <a:solidFill>
-                <a:srgbClr val="000000"/>
-              </a:solidFill>
-              <a:latin typeface="Arial" panose="020B0604020202020204" pitchFamily="34" charset="0"/>
-            </a:endParaRPr>
           </a:p>
         </p:txBody>
       </p:sp>
@@ -7306,12 +7299,6 @@
               </a:rPr>
               <a:t>7: Storing and Consuming Files from Azure Storage</a:t>
             </a:r>
-            <a:endParaRPr lang="en-US" sz="1200">
-              <a:solidFill>
-                <a:srgbClr val="336699"/>
-              </a:solidFill>
-              <a:latin typeface="Arial" panose="020B0604020202020204" pitchFamily="34" charset="0"/>
-            </a:endParaRPr>
           </a:p>
         </p:txBody>
       </p:sp>
@@ -7497,12 +7484,6 @@
               </a:rPr>
               <a:t>20532C</a:t>
             </a:r>
-            <a:endParaRPr lang="en-US" sz="1200">
-              <a:solidFill>
-                <a:srgbClr val="000000"/>
-              </a:solidFill>
-              <a:latin typeface="Arial" panose="020B0604020202020204" pitchFamily="34" charset="0"/>
-            </a:endParaRPr>
           </a:p>
         </p:txBody>
       </p:sp>
@@ -7577,12 +7558,6 @@
               </a:rPr>
               <a:t>7: Storing and Consuming Files from Azure Storage</a:t>
             </a:r>
-            <a:endParaRPr lang="en-US" sz="1200">
-              <a:solidFill>
-                <a:srgbClr val="336699"/>
-              </a:solidFill>
-              <a:latin typeface="Arial" panose="020B0604020202020204" pitchFamily="34" charset="0"/>
-            </a:endParaRPr>
           </a:p>
         </p:txBody>
       </p:sp>
@@ -7768,12 +7743,6 @@
               </a:rPr>
               <a:t>20532C</a:t>
             </a:r>
-            <a:endParaRPr lang="en-US" sz="1200">
-              <a:solidFill>
-                <a:srgbClr val="000000"/>
-              </a:solidFill>
-              <a:latin typeface="Arial" panose="020B0604020202020204" pitchFamily="34" charset="0"/>
-            </a:endParaRPr>
           </a:p>
         </p:txBody>
       </p:sp>
@@ -7848,12 +7817,6 @@
               </a:rPr>
               <a:t>7: Storing and Consuming Files from Azure Storage</a:t>
             </a:r>
-            <a:endParaRPr lang="en-US" sz="1200">
-              <a:solidFill>
-                <a:srgbClr val="336699"/>
-              </a:solidFill>
-              <a:latin typeface="Arial" panose="020B0604020202020204" pitchFamily="34" charset="0"/>
-            </a:endParaRPr>
           </a:p>
         </p:txBody>
       </p:sp>
@@ -8039,12 +8002,6 @@
               </a:rPr>
               <a:t>20532C</a:t>
             </a:r>
-            <a:endParaRPr lang="en-US" sz="1200">
-              <a:solidFill>
-                <a:srgbClr val="000000"/>
-              </a:solidFill>
-              <a:latin typeface="Arial" panose="020B0604020202020204" pitchFamily="34" charset="0"/>
-            </a:endParaRPr>
           </a:p>
         </p:txBody>
       </p:sp>
@@ -8119,12 +8076,6 @@
               </a:rPr>
               <a:t>7: Storing and Consuming Files from Azure Storage</a:t>
             </a:r>
-            <a:endParaRPr lang="en-US" sz="1200">
-              <a:solidFill>
-                <a:srgbClr val="336699"/>
-              </a:solidFill>
-              <a:latin typeface="Arial" panose="020B0604020202020204" pitchFamily="34" charset="0"/>
-            </a:endParaRPr>
           </a:p>
         </p:txBody>
       </p:sp>
@@ -8206,7 +8157,7 @@
               </a:spcAft>
             </a:pPr>
             <a:r>
-              <a:rPr lang="en-US" sz="1000">
+              <a:rPr lang="en-US" sz="1000" dirty="0">
                 <a:latin typeface="Arial" panose="020B0604020202020204" pitchFamily="34" charset="0"/>
                 <a:ea typeface="Calibri" panose="020F0502020204030204" pitchFamily="34" charset="0"/>
                 <a:cs typeface="Times New Roman" panose="02020603050405020304" pitchFamily="18" charset="0"/>
@@ -8310,12 +8261,6 @@
               </a:rPr>
               <a:t>20532C</a:t>
             </a:r>
-            <a:endParaRPr lang="en-US" sz="1200">
-              <a:solidFill>
-                <a:srgbClr val="000000"/>
-              </a:solidFill>
-              <a:latin typeface="Arial" panose="020B0604020202020204" pitchFamily="34" charset="0"/>
-            </a:endParaRPr>
           </a:p>
         </p:txBody>
       </p:sp>
@@ -8390,12 +8335,6 @@
               </a:rPr>
               <a:t>7: Storing and Consuming Files from Azure Storage</a:t>
             </a:r>
-            <a:endParaRPr lang="en-US" sz="1200">
-              <a:solidFill>
-                <a:srgbClr val="336699"/>
-              </a:solidFill>
-              <a:latin typeface="Arial" panose="020B0604020202020204" pitchFamily="34" charset="0"/>
-            </a:endParaRPr>
           </a:p>
         </p:txBody>
       </p:sp>
@@ -8605,12 +8544,6 @@
               </a:rPr>
               <a:t>20532C</a:t>
             </a:r>
-            <a:endParaRPr lang="en-US" sz="1200">
-              <a:solidFill>
-                <a:srgbClr val="000000"/>
-              </a:solidFill>
-              <a:latin typeface="Arial" panose="020B0604020202020204" pitchFamily="34" charset="0"/>
-            </a:endParaRPr>
           </a:p>
         </p:txBody>
       </p:sp>
@@ -8685,12 +8618,6 @@
               </a:rPr>
               <a:t>7: Storing and Consuming Files from Azure Storage</a:t>
             </a:r>
-            <a:endParaRPr lang="en-US" sz="1200">
-              <a:solidFill>
-                <a:srgbClr val="336699"/>
-              </a:solidFill>
-              <a:latin typeface="Arial" panose="020B0604020202020204" pitchFamily="34" charset="0"/>
-            </a:endParaRPr>
           </a:p>
         </p:txBody>
       </p:sp>
@@ -8736,8 +8663,8 @@
         </p:nvSpPr>
         <p:spPr>
           <a:xfrm>
-            <a:off x="4325112" y="73152"/>
-            <a:ext cx="2468880" cy="1851660"/>
+            <a:off x="4325938" y="73025"/>
+            <a:ext cx="2466975" cy="1851025"/>
           </a:xfrm>
         </p:spPr>
       </p:sp>
@@ -8876,12 +8803,6 @@
               </a:rPr>
               <a:t>20532C</a:t>
             </a:r>
-            <a:endParaRPr lang="en-US" sz="1200">
-              <a:solidFill>
-                <a:srgbClr val="000000"/>
-              </a:solidFill>
-              <a:latin typeface="Arial" panose="020B0604020202020204" pitchFamily="34" charset="0"/>
-            </a:endParaRPr>
           </a:p>
         </p:txBody>
       </p:sp>
@@ -8956,12 +8877,6 @@
               </a:rPr>
               <a:t>7: Storing and Consuming Files from Azure Storage</a:t>
             </a:r>
-            <a:endParaRPr lang="en-US" sz="1200">
-              <a:solidFill>
-                <a:srgbClr val="336699"/>
-              </a:solidFill>
-              <a:latin typeface="Arial" panose="020B0604020202020204" pitchFamily="34" charset="0"/>
-            </a:endParaRPr>
           </a:p>
         </p:txBody>
       </p:sp>
@@ -9147,12 +9062,6 @@
               </a:rPr>
               <a:t>20532C</a:t>
             </a:r>
-            <a:endParaRPr lang="en-US" sz="1200">
-              <a:solidFill>
-                <a:srgbClr val="000000"/>
-              </a:solidFill>
-              <a:latin typeface="Arial" panose="020B0604020202020204" pitchFamily="34" charset="0"/>
-            </a:endParaRPr>
           </a:p>
         </p:txBody>
       </p:sp>
@@ -9227,12 +9136,6 @@
               </a:rPr>
               <a:t>7: Storing and Consuming Files from Azure Storage</a:t>
             </a:r>
-            <a:endParaRPr lang="en-US" sz="1200">
-              <a:solidFill>
-                <a:srgbClr val="336699"/>
-              </a:solidFill>
-              <a:latin typeface="Arial" panose="020B0604020202020204" pitchFamily="34" charset="0"/>
-            </a:endParaRPr>
           </a:p>
         </p:txBody>
       </p:sp>
@@ -9418,12 +9321,6 @@
               </a:rPr>
               <a:t>20532C</a:t>
             </a:r>
-            <a:endParaRPr lang="en-US" sz="1200">
-              <a:solidFill>
-                <a:srgbClr val="000000"/>
-              </a:solidFill>
-              <a:latin typeface="Arial" panose="020B0604020202020204" pitchFamily="34" charset="0"/>
-            </a:endParaRPr>
           </a:p>
         </p:txBody>
       </p:sp>
@@ -9498,12 +9395,6 @@
               </a:rPr>
               <a:t>7: Storing and Consuming Files from Azure Storage</a:t>
             </a:r>
-            <a:endParaRPr lang="en-US" sz="1200">
-              <a:solidFill>
-                <a:srgbClr val="336699"/>
-              </a:solidFill>
-              <a:latin typeface="Arial" panose="020B0604020202020204" pitchFamily="34" charset="0"/>
-            </a:endParaRPr>
           </a:p>
         </p:txBody>
       </p:sp>
@@ -9689,12 +9580,6 @@
               </a:rPr>
               <a:t>20532C</a:t>
             </a:r>
-            <a:endParaRPr lang="en-US" sz="1200">
-              <a:solidFill>
-                <a:srgbClr val="000000"/>
-              </a:solidFill>
-              <a:latin typeface="Arial" panose="020B0604020202020204" pitchFamily="34" charset="0"/>
-            </a:endParaRPr>
           </a:p>
         </p:txBody>
       </p:sp>
@@ -9769,12 +9654,6 @@
               </a:rPr>
               <a:t>7: Storing and Consuming Files from Azure Storage</a:t>
             </a:r>
-            <a:endParaRPr lang="en-US" sz="1200">
-              <a:solidFill>
-                <a:srgbClr val="336699"/>
-              </a:solidFill>
-              <a:latin typeface="Arial" panose="020B0604020202020204" pitchFamily="34" charset="0"/>
-            </a:endParaRPr>
           </a:p>
         </p:txBody>
       </p:sp>
@@ -9820,8 +9699,8 @@
         </p:nvSpPr>
         <p:spPr>
           <a:xfrm>
-            <a:off x="4325112" y="73152"/>
-            <a:ext cx="2468880" cy="1851660"/>
+            <a:off x="4325938" y="73025"/>
+            <a:ext cx="2466975" cy="1851025"/>
           </a:xfrm>
         </p:spPr>
       </p:sp>
@@ -9960,12 +9839,6 @@
               </a:rPr>
               <a:t>20532C</a:t>
             </a:r>
-            <a:endParaRPr lang="en-US" sz="1200">
-              <a:solidFill>
-                <a:srgbClr val="000000"/>
-              </a:solidFill>
-              <a:latin typeface="Arial" panose="020B0604020202020204" pitchFamily="34" charset="0"/>
-            </a:endParaRPr>
           </a:p>
         </p:txBody>
       </p:sp>
@@ -10040,12 +9913,6 @@
               </a:rPr>
               <a:t>7: Storing and Consuming Files from Azure Storage</a:t>
             </a:r>
-            <a:endParaRPr lang="en-US" sz="1200">
-              <a:solidFill>
-                <a:srgbClr val="336699"/>
-              </a:solidFill>
-              <a:latin typeface="Arial" panose="020B0604020202020204" pitchFamily="34" charset="0"/>
-            </a:endParaRPr>
           </a:p>
         </p:txBody>
       </p:sp>
@@ -10231,12 +10098,6 @@
               </a:rPr>
               <a:t>20532C</a:t>
             </a:r>
-            <a:endParaRPr lang="en-US" sz="1200">
-              <a:solidFill>
-                <a:srgbClr val="000000"/>
-              </a:solidFill>
-              <a:latin typeface="Arial" panose="020B0604020202020204" pitchFamily="34" charset="0"/>
-            </a:endParaRPr>
           </a:p>
         </p:txBody>
       </p:sp>
@@ -10311,12 +10172,6 @@
               </a:rPr>
               <a:t>7: Storing and Consuming Files from Azure Storage</a:t>
             </a:r>
-            <a:endParaRPr lang="en-US" sz="1200">
-              <a:solidFill>
-                <a:srgbClr val="336699"/>
-              </a:solidFill>
-              <a:latin typeface="Arial" panose="020B0604020202020204" pitchFamily="34" charset="0"/>
-            </a:endParaRPr>
           </a:p>
         </p:txBody>
       </p:sp>
@@ -10502,12 +10357,6 @@
               </a:rPr>
               <a:t>20532C</a:t>
             </a:r>
-            <a:endParaRPr lang="en-US" sz="1200">
-              <a:solidFill>
-                <a:srgbClr val="000000"/>
-              </a:solidFill>
-              <a:latin typeface="Arial" panose="020B0604020202020204" pitchFamily="34" charset="0"/>
-            </a:endParaRPr>
           </a:p>
         </p:txBody>
       </p:sp>
@@ -10582,12 +10431,6 @@
               </a:rPr>
               <a:t>7: Storing and Consuming Files from Azure Storage</a:t>
             </a:r>
-            <a:endParaRPr lang="en-US" sz="1200">
-              <a:solidFill>
-                <a:srgbClr val="336699"/>
-              </a:solidFill>
-              <a:latin typeface="Arial" panose="020B0604020202020204" pitchFamily="34" charset="0"/>
-            </a:endParaRPr>
           </a:p>
         </p:txBody>
       </p:sp>
@@ -10633,8 +10476,8 @@
         </p:nvSpPr>
         <p:spPr>
           <a:xfrm>
-            <a:off x="4325112" y="73152"/>
-            <a:ext cx="2468880" cy="1851660"/>
+            <a:off x="4325938" y="73025"/>
+            <a:ext cx="2466975" cy="1851025"/>
           </a:xfrm>
         </p:spPr>
       </p:sp>
@@ -10773,12 +10616,6 @@
               </a:rPr>
               <a:t>20532C</a:t>
             </a:r>
-            <a:endParaRPr lang="en-US" sz="1200">
-              <a:solidFill>
-                <a:srgbClr val="000000"/>
-              </a:solidFill>
-              <a:latin typeface="Arial" panose="020B0604020202020204" pitchFamily="34" charset="0"/>
-            </a:endParaRPr>
           </a:p>
         </p:txBody>
       </p:sp>
@@ -10853,12 +10690,6 @@
               </a:rPr>
               <a:t>7: Storing and Consuming Files from Azure Storage</a:t>
             </a:r>
-            <a:endParaRPr lang="en-US" sz="1200">
-              <a:solidFill>
-                <a:srgbClr val="336699"/>
-              </a:solidFill>
-              <a:latin typeface="Arial" panose="020B0604020202020204" pitchFamily="34" charset="0"/>
-            </a:endParaRPr>
           </a:p>
         </p:txBody>
       </p:sp>
@@ -11044,12 +10875,6 @@
               </a:rPr>
               <a:t>20532C</a:t>
             </a:r>
-            <a:endParaRPr lang="en-US" sz="1200">
-              <a:solidFill>
-                <a:srgbClr val="000000"/>
-              </a:solidFill>
-              <a:latin typeface="Arial" panose="020B0604020202020204" pitchFamily="34" charset="0"/>
-            </a:endParaRPr>
           </a:p>
         </p:txBody>
       </p:sp>
@@ -11124,12 +10949,6 @@
               </a:rPr>
               <a:t>7: Storing and Consuming Files from Azure Storage</a:t>
             </a:r>
-            <a:endParaRPr lang="en-US" sz="1200">
-              <a:solidFill>
-                <a:srgbClr val="336699"/>
-              </a:solidFill>
-              <a:latin typeface="Arial" panose="020B0604020202020204" pitchFamily="34" charset="0"/>
-            </a:endParaRPr>
           </a:p>
         </p:txBody>
       </p:sp>
@@ -11331,12 +11150,6 @@
               </a:rPr>
               <a:t>20532C</a:t>
             </a:r>
-            <a:endParaRPr lang="en-US" sz="1200">
-              <a:solidFill>
-                <a:srgbClr val="000000"/>
-              </a:solidFill>
-              <a:latin typeface="Arial" panose="020B0604020202020204" pitchFamily="34" charset="0"/>
-            </a:endParaRPr>
           </a:p>
         </p:txBody>
       </p:sp>
@@ -11411,12 +11224,6 @@
               </a:rPr>
               <a:t>7: Storing and Consuming Files from Azure Storage</a:t>
             </a:r>
-            <a:endParaRPr lang="en-US" sz="1200">
-              <a:solidFill>
-                <a:srgbClr val="336699"/>
-              </a:solidFill>
-              <a:latin typeface="Arial" panose="020B0604020202020204" pitchFamily="34" charset="0"/>
-            </a:endParaRPr>
           </a:p>
         </p:txBody>
       </p:sp>
@@ -11587,12 +11394,6 @@
               </a:rPr>
               <a:t>20532C</a:t>
             </a:r>
-            <a:endParaRPr lang="en-US" sz="1200">
-              <a:solidFill>
-                <a:srgbClr val="000000"/>
-              </a:solidFill>
-              <a:latin typeface="Arial" panose="020B0604020202020204" pitchFamily="34" charset="0"/>
-            </a:endParaRPr>
           </a:p>
         </p:txBody>
       </p:sp>
@@ -11667,12 +11468,6 @@
               </a:rPr>
               <a:t>7: Storing and Consuming Files from Azure Storage</a:t>
             </a:r>
-            <a:endParaRPr lang="en-US" sz="1200">
-              <a:solidFill>
-                <a:srgbClr val="336699"/>
-              </a:solidFill>
-              <a:latin typeface="Arial" panose="020B0604020202020204" pitchFamily="34" charset="0"/>
-            </a:endParaRPr>
           </a:p>
         </p:txBody>
       </p:sp>
@@ -11922,12 +11717,6 @@
               </a:rPr>
               <a:t>20532C</a:t>
             </a:r>
-            <a:endParaRPr lang="en-US" sz="1200">
-              <a:solidFill>
-                <a:srgbClr val="000000"/>
-              </a:solidFill>
-              <a:latin typeface="Arial" panose="020B0604020202020204" pitchFamily="34" charset="0"/>
-            </a:endParaRPr>
           </a:p>
         </p:txBody>
       </p:sp>
@@ -12002,12 +11791,6 @@
               </a:rPr>
               <a:t>7: Storing and Consuming Files from Azure Storage</a:t>
             </a:r>
-            <a:endParaRPr lang="en-US" sz="1200">
-              <a:solidFill>
-                <a:srgbClr val="336699"/>
-              </a:solidFill>
-              <a:latin typeface="Arial" panose="020B0604020202020204" pitchFamily="34" charset="0"/>
-            </a:endParaRPr>
           </a:p>
         </p:txBody>
       </p:sp>
@@ -12280,12 +12063,6 @@
               </a:rPr>
               <a:t>20532C</a:t>
             </a:r>
-            <a:endParaRPr lang="en-US" sz="1200">
-              <a:solidFill>
-                <a:srgbClr val="000000"/>
-              </a:solidFill>
-              <a:latin typeface="Arial" panose="020B0604020202020204" pitchFamily="34" charset="0"/>
-            </a:endParaRPr>
           </a:p>
         </p:txBody>
       </p:sp>
@@ -12360,12 +12137,6 @@
               </a:rPr>
               <a:t>7: Storing and Consuming Files from Azure Storage</a:t>
             </a:r>
-            <a:endParaRPr lang="en-US" sz="1200">
-              <a:solidFill>
-                <a:srgbClr val="336699"/>
-              </a:solidFill>
-              <a:latin typeface="Arial" panose="020B0604020202020204" pitchFamily="34" charset="0"/>
-            </a:endParaRPr>
           </a:p>
         </p:txBody>
       </p:sp>
@@ -12551,12 +12322,6 @@
               </a:rPr>
               <a:t>20532C</a:t>
             </a:r>
-            <a:endParaRPr lang="en-US" sz="1200">
-              <a:solidFill>
-                <a:srgbClr val="000000"/>
-              </a:solidFill>
-              <a:latin typeface="Arial" panose="020B0604020202020204" pitchFamily="34" charset="0"/>
-            </a:endParaRPr>
           </a:p>
         </p:txBody>
       </p:sp>
@@ -12631,12 +12396,6 @@
               </a:rPr>
               <a:t>7: Storing and Consuming Files from Azure Storage</a:t>
             </a:r>
-            <a:endParaRPr lang="en-US" sz="1200">
-              <a:solidFill>
-                <a:srgbClr val="336699"/>
-              </a:solidFill>
-              <a:latin typeface="Arial" panose="020B0604020202020204" pitchFamily="34" charset="0"/>
-            </a:endParaRPr>
           </a:p>
         </p:txBody>
       </p:sp>
@@ -12822,12 +12581,6 @@
               </a:rPr>
               <a:t>20532C</a:t>
             </a:r>
-            <a:endParaRPr lang="en-US" sz="1200">
-              <a:solidFill>
-                <a:srgbClr val="000000"/>
-              </a:solidFill>
-              <a:latin typeface="Arial" panose="020B0604020202020204" pitchFamily="34" charset="0"/>
-            </a:endParaRPr>
           </a:p>
         </p:txBody>
       </p:sp>
@@ -12902,12 +12655,6 @@
               </a:rPr>
               <a:t>7: Storing and Consuming Files from Azure Storage</a:t>
             </a:r>
-            <a:endParaRPr lang="en-US" sz="1200">
-              <a:solidFill>
-                <a:srgbClr val="336699"/>
-              </a:solidFill>
-              <a:latin typeface="Arial" panose="020B0604020202020204" pitchFamily="34" charset="0"/>
-            </a:endParaRPr>
           </a:p>
         </p:txBody>
       </p:sp>
@@ -13186,12 +12933,6 @@
               </a:rPr>
               <a:t>20532C</a:t>
             </a:r>
-            <a:endParaRPr lang="en-US" sz="1200">
-              <a:solidFill>
-                <a:srgbClr val="000000"/>
-              </a:solidFill>
-              <a:latin typeface="Arial" panose="020B0604020202020204" pitchFamily="34" charset="0"/>
-            </a:endParaRPr>
           </a:p>
         </p:txBody>
       </p:sp>
@@ -13266,12 +13007,6 @@
               </a:rPr>
               <a:t>7: Storing and Consuming Files from Azure Storage</a:t>
             </a:r>
-            <a:endParaRPr lang="en-US" sz="1200">
-              <a:solidFill>
-                <a:srgbClr val="336699"/>
-              </a:solidFill>
-              <a:latin typeface="Arial" panose="020B0604020202020204" pitchFamily="34" charset="0"/>
-            </a:endParaRPr>
           </a:p>
         </p:txBody>
       </p:sp>
@@ -13317,8 +13052,8 @@
         </p:nvSpPr>
         <p:spPr>
           <a:xfrm>
-            <a:off x="4325112" y="73152"/>
-            <a:ext cx="2468880" cy="1851660"/>
+            <a:off x="4325938" y="73025"/>
+            <a:ext cx="2466975" cy="1851025"/>
           </a:xfrm>
         </p:spPr>
       </p:sp>
@@ -13457,12 +13192,6 @@
               </a:rPr>
               <a:t>20532C</a:t>
             </a:r>
-            <a:endParaRPr lang="en-US" sz="1200">
-              <a:solidFill>
-                <a:srgbClr val="000000"/>
-              </a:solidFill>
-              <a:latin typeface="Arial" panose="020B0604020202020204" pitchFamily="34" charset="0"/>
-            </a:endParaRPr>
           </a:p>
         </p:txBody>
       </p:sp>
@@ -13537,12 +13266,6 @@
               </a:rPr>
               <a:t>7: Storing and Consuming Files from Azure Storage</a:t>
             </a:r>
-            <a:endParaRPr lang="en-US" sz="1200">
-              <a:solidFill>
-                <a:srgbClr val="336699"/>
-              </a:solidFill>
-              <a:latin typeface="Arial" panose="020B0604020202020204" pitchFamily="34" charset="0"/>
-            </a:endParaRPr>
           </a:p>
         </p:txBody>
       </p:sp>
@@ -13728,12 +13451,6 @@
               </a:rPr>
               <a:t>20532C</a:t>
             </a:r>
-            <a:endParaRPr lang="en-US" sz="1200">
-              <a:solidFill>
-                <a:srgbClr val="000000"/>
-              </a:solidFill>
-              <a:latin typeface="Arial" panose="020B0604020202020204" pitchFamily="34" charset="0"/>
-            </a:endParaRPr>
           </a:p>
         </p:txBody>
       </p:sp>
@@ -13808,12 +13525,6 @@
               </a:rPr>
               <a:t>7: Storing and Consuming Files from Azure Storage</a:t>
             </a:r>
-            <a:endParaRPr lang="en-US" sz="1200">
-              <a:solidFill>
-                <a:srgbClr val="336699"/>
-              </a:solidFill>
-              <a:latin typeface="Arial" panose="020B0604020202020204" pitchFamily="34" charset="0"/>
-            </a:endParaRPr>
           </a:p>
         </p:txBody>
       </p:sp>
@@ -13999,12 +13710,6 @@
               </a:rPr>
               <a:t>20532C</a:t>
             </a:r>
-            <a:endParaRPr lang="en-US" sz="1200">
-              <a:solidFill>
-                <a:srgbClr val="000000"/>
-              </a:solidFill>
-              <a:latin typeface="Arial" panose="020B0604020202020204" pitchFamily="34" charset="0"/>
-            </a:endParaRPr>
           </a:p>
         </p:txBody>
       </p:sp>
@@ -14079,12 +13784,6 @@
               </a:rPr>
               <a:t>7: Storing and Consuming Files from Azure Storage</a:t>
             </a:r>
-            <a:endParaRPr lang="en-US" sz="1200">
-              <a:solidFill>
-                <a:srgbClr val="336699"/>
-              </a:solidFill>
-              <a:latin typeface="Arial" panose="020B0604020202020204" pitchFamily="34" charset="0"/>
-            </a:endParaRPr>
           </a:p>
         </p:txBody>
       </p:sp>
@@ -14130,8 +13829,8 @@
         </p:nvSpPr>
         <p:spPr>
           <a:xfrm>
-            <a:off x="4325112" y="73152"/>
-            <a:ext cx="2468880" cy="1851660"/>
+            <a:off x="4325938" y="73025"/>
+            <a:ext cx="2466975" cy="1851025"/>
           </a:xfrm>
         </p:spPr>
       </p:sp>
@@ -14166,13 +13865,76 @@
               </a:spcAft>
             </a:pPr>
             <a:r>
-              <a:rPr lang="en-US" sz="1000">
+              <a:rPr lang="en-US" sz="1000" dirty="0">
                 <a:latin typeface="Arial" panose="020B0604020202020204" pitchFamily="34" charset="0"/>
                 <a:ea typeface="Calibri" panose="020F0502020204030204" pitchFamily="34" charset="0"/>
                 <a:cs typeface="Times New Roman" panose="02020603050405020304" pitchFamily="18" charset="0"/>
               </a:rPr>
               <a:t>Emphasize how simple the REST format is for blobs and how the structure emulates the concept of files and folders. This enables you to build very predictable URLs for accessing blobs within containers.</a:t>
             </a:r>
+          </a:p>
+          <a:p>
+            <a:pPr>
+              <a:lnSpc>
+                <a:spcPct val="107000"/>
+              </a:lnSpc>
+              <a:spcAft>
+                <a:spcPts val="800"/>
+              </a:spcAft>
+            </a:pPr>
+            <a:endParaRPr lang="en-US" sz="1000" dirty="0">
+              <a:latin typeface="Arial" panose="020B0604020202020204" pitchFamily="34" charset="0"/>
+              <a:ea typeface="Calibri" panose="020F0502020204030204" pitchFamily="34" charset="0"/>
+              <a:cs typeface="Times New Roman" panose="02020603050405020304" pitchFamily="18" charset="0"/>
+            </a:endParaRPr>
+          </a:p>
+          <a:p>
+            <a:pPr>
+              <a:lnSpc>
+                <a:spcPct val="107000"/>
+              </a:lnSpc>
+              <a:spcAft>
+                <a:spcPts val="800"/>
+              </a:spcAft>
+            </a:pPr>
+            <a:r>
+              <a:rPr lang="en-US" sz="1000" dirty="0">
+                <a:latin typeface="Arial" panose="020B0604020202020204" pitchFamily="34" charset="0"/>
+                <a:ea typeface="Calibri" panose="020F0502020204030204" pitchFamily="34" charset="0"/>
+                <a:cs typeface="Times New Roman" panose="02020603050405020304" pitchFamily="18" charset="0"/>
+              </a:rPr>
+              <a:t>https://docs.microsoft.com/en-us/rest/api/storageservices/operations-on-the-account--blob-service-</a:t>
+            </a:r>
+          </a:p>
+          <a:p>
+            <a:pPr>
+              <a:lnSpc>
+                <a:spcPct val="107000"/>
+              </a:lnSpc>
+              <a:spcAft>
+                <a:spcPts val="800"/>
+              </a:spcAft>
+            </a:pPr>
+            <a:endParaRPr lang="en-US" sz="1000" dirty="0">
+              <a:latin typeface="Arial" panose="020B0604020202020204" pitchFamily="34" charset="0"/>
+              <a:ea typeface="Calibri" panose="020F0502020204030204" pitchFamily="34" charset="0"/>
+              <a:cs typeface="Times New Roman" panose="02020603050405020304" pitchFamily="18" charset="0"/>
+            </a:endParaRPr>
+          </a:p>
+          <a:p>
+            <a:pPr>
+              <a:lnSpc>
+                <a:spcPct val="107000"/>
+              </a:lnSpc>
+              <a:spcAft>
+                <a:spcPts val="800"/>
+              </a:spcAft>
+            </a:pPr>
+            <a:endParaRPr lang="en-US" sz="1000" dirty="0">
+              <a:latin typeface="Arial" panose="020B0604020202020204" pitchFamily="34" charset="0"/>
+              <a:ea typeface="Calibri" panose="020F0502020204030204" pitchFamily="34" charset="0"/>
+              <a:cs typeface="Times New Roman" panose="02020603050405020304" pitchFamily="18" charset="0"/>
+            </a:endParaRPr>
           </a:p>
         </p:txBody>
       </p:sp>
@@ -14270,12 +14032,6 @@
               </a:rPr>
               <a:t>20532C</a:t>
             </a:r>
-            <a:endParaRPr lang="en-US" sz="1200">
-              <a:solidFill>
-                <a:srgbClr val="000000"/>
-              </a:solidFill>
-              <a:latin typeface="Arial" panose="020B0604020202020204" pitchFamily="34" charset="0"/>
-            </a:endParaRPr>
           </a:p>
         </p:txBody>
       </p:sp>
@@ -14350,12 +14106,6 @@
               </a:rPr>
               <a:t>7: Storing and Consuming Files from Azure Storage</a:t>
             </a:r>
-            <a:endParaRPr lang="en-US" sz="1200">
-              <a:solidFill>
-                <a:srgbClr val="336699"/>
-              </a:solidFill>
-              <a:latin typeface="Arial" panose="020B0604020202020204" pitchFamily="34" charset="0"/>
-            </a:endParaRPr>
           </a:p>
         </p:txBody>
       </p:sp>
@@ -14802,7 +14552,6 @@
               <a:rPr lang="en-US"/>
               <a:t>Click to edit Master title style</a:t>
             </a:r>
-            <a:endParaRPr lang="en-US"/>
           </a:p>
         </p:txBody>
       </p:sp>
@@ -14854,7 +14603,6 @@
               <a:rPr lang="en-US"/>
               <a:t>Fifth level</a:t>
             </a:r>
-            <a:endParaRPr lang="en-US"/>
           </a:p>
         </p:txBody>
       </p:sp>
@@ -16975,7 +16723,6 @@
               <a:rPr lang="en-US"/>
               <a:t>Module 7</a:t>
             </a:r>
-            <a:endParaRPr lang="en-US"/>
           </a:p>
         </p:txBody>
       </p:sp>
@@ -16999,7 +16746,6 @@
               <a:t>Storing and Consuming Files from Azure Storage
 </a:t>
             </a:r>
-            <a:endParaRPr lang="en-US"/>
           </a:p>
         </p:txBody>
       </p:sp>
@@ -17052,7 +16798,6 @@
               <a:rPr lang="en-US"/>
               <a:t>Lesson 2: Controlling Access to Storage Blobs and Containers</a:t>
             </a:r>
-            <a:endParaRPr lang="en-US"/>
           </a:p>
         </p:txBody>
       </p:sp>
@@ -17078,7 +16823,6 @@
 Stored Access Policies
 Generating Shared Access Signatures from Policies</a:t>
             </a:r>
-            <a:endParaRPr lang="en-US"/>
           </a:p>
         </p:txBody>
       </p:sp>
@@ -17131,7 +16875,6 @@
               <a:rPr lang="en-US"/>
               <a:t>Container Permissions</a:t>
             </a:r>
-            <a:endParaRPr lang="en-US"/>
           </a:p>
         </p:txBody>
       </p:sp>
@@ -17524,7 +17267,6 @@
               <a:rPr lang="en-US"/>
               <a:t>Shared Access Signatures</a:t>
             </a:r>
-            <a:endParaRPr lang="en-US"/>
           </a:p>
         </p:txBody>
       </p:sp>
@@ -17895,7 +17637,6 @@
               <a:rPr lang="en-US"/>
               <a:t>Structure of a Shared Access Signature</a:t>
             </a:r>
-            <a:endParaRPr lang="en-US"/>
           </a:p>
         </p:txBody>
       </p:sp>
@@ -18140,7 +17881,7 @@
               <a:buNone/>
             </a:pPr>
             <a:r>
-              <a:rPr lang="en-US" sz="2400" b="0" u="sng" kern="0">
+              <a:rPr lang="en-US" sz="2400" b="0" u="sng" kern="0" dirty="0">
                 <a:solidFill>
                   <a:srgbClr val="8DACD0">
                     <a:lumMod val="40000"/>
@@ -18153,7 +17894,7 @@
               <a:t>https://myaccount.blob.core.windows.net/sascontainer/sasblob.txt</a:t>
             </a:r>
             <a:r>
-              <a:rPr lang="en-US" sz="2400" u="sng" kern="0">
+              <a:rPr lang="en-US" sz="2400" u="sng" kern="0" dirty="0">
                 <a:solidFill>
                   <a:srgbClr val="8DACD0">
                     <a:lumMod val="40000"/>
@@ -18166,7 +17907,7 @@
               <a:t>?</a:t>
             </a:r>
             <a:r>
-              <a:rPr lang="en-US" sz="2400" u="sng" kern="0">
+              <a:rPr lang="en-US" sz="2400" u="sng" kern="0" dirty="0">
                 <a:solidFill>
                   <a:srgbClr val="8DACD0">
                     <a:lumMod val="75000"/>
@@ -18178,7 +17919,7 @@
               <a:t>sv</a:t>
             </a:r>
             <a:r>
-              <a:rPr lang="en-US" sz="2400" u="sng" kern="0">
+              <a:rPr lang="en-US" sz="2400" u="sng" kern="0" dirty="0">
                 <a:solidFill>
                   <a:srgbClr val="8DACD0">
                     <a:lumMod val="40000"/>
@@ -18191,7 +17932,7 @@
               <a:t>=</a:t>
             </a:r>
             <a:r>
-              <a:rPr lang="en-US" sz="2400" b="0" u="sng" kern="0">
+              <a:rPr lang="en-US" sz="2400" b="0" u="sng" kern="0" dirty="0">
                 <a:solidFill>
                   <a:srgbClr val="8DACD0">
                     <a:lumMod val="40000"/>
@@ -18204,7 +17945,7 @@
               <a:t>2012-02-12</a:t>
             </a:r>
             <a:r>
-              <a:rPr lang="en-US" sz="2400" u="sng" kern="0">
+              <a:rPr lang="en-US" sz="2400" u="sng" kern="0" dirty="0">
                 <a:solidFill>
                   <a:srgbClr val="8DACD0">
                     <a:lumMod val="75000"/>
@@ -18216,7 +17957,7 @@
               <a:t>&amp;st</a:t>
             </a:r>
             <a:r>
-              <a:rPr lang="en-US" sz="2400" u="sng" kern="0">
+              <a:rPr lang="en-US" sz="2400" u="sng" kern="0" dirty="0">
                 <a:solidFill>
                   <a:srgbClr val="8DACD0">
                     <a:lumMod val="40000"/>
@@ -18229,7 +17970,7 @@
               <a:t>=</a:t>
             </a:r>
             <a:r>
-              <a:rPr lang="en-US" sz="2400" b="0" u="sng" kern="0">
+              <a:rPr lang="en-US" sz="2400" b="0" u="sng" kern="0" dirty="0">
                 <a:solidFill>
                   <a:srgbClr val="8DACD0">
                     <a:lumMod val="40000"/>
@@ -18242,7 +17983,7 @@
               <a:t>2013-04-29T22%3A18%3A26Z</a:t>
             </a:r>
             <a:r>
-              <a:rPr lang="en-US" sz="2400" u="sng" kern="0">
+              <a:rPr lang="en-US" sz="2400" u="sng" kern="0" dirty="0">
                 <a:solidFill>
                   <a:srgbClr val="8DACD0">
                     <a:lumMod val="75000"/>
@@ -18254,7 +17995,7 @@
               <a:t>&amp;se</a:t>
             </a:r>
             <a:r>
-              <a:rPr lang="en-US" sz="2400" u="sng" kern="0">
+              <a:rPr lang="en-US" sz="2400" u="sng" kern="0" dirty="0">
                 <a:solidFill>
                   <a:srgbClr val="8DACD0">
                     <a:lumMod val="40000"/>
@@ -18267,7 +18008,7 @@
               <a:t>=</a:t>
             </a:r>
             <a:r>
-              <a:rPr lang="en-US" sz="2400" b="0" u="sng" kern="0">
+              <a:rPr lang="en-US" sz="2400" b="0" u="sng" kern="0" dirty="0">
                 <a:solidFill>
                   <a:srgbClr val="8DACD0">
                     <a:lumMod val="40000"/>
@@ -18280,7 +18021,7 @@
               <a:t>2013-04-30T02%3A23%3A26Z</a:t>
             </a:r>
             <a:r>
-              <a:rPr lang="en-US" sz="2400" u="sng" kern="0">
+              <a:rPr lang="en-US" sz="2400" u="sng" kern="0" dirty="0">
                 <a:solidFill>
                   <a:srgbClr val="8DACD0">
                     <a:lumMod val="75000"/>
@@ -18292,7 +18033,7 @@
               <a:t>&amp;sr</a:t>
             </a:r>
             <a:r>
-              <a:rPr lang="en-US" sz="2400" u="sng" kern="0">
+              <a:rPr lang="en-US" sz="2400" u="sng" kern="0" dirty="0">
                 <a:solidFill>
                   <a:srgbClr val="8DACD0">
                     <a:lumMod val="40000"/>
@@ -18305,7 +18046,7 @@
               <a:t>=</a:t>
             </a:r>
             <a:r>
-              <a:rPr lang="en-US" sz="2400" b="0" u="sng" kern="0">
+              <a:rPr lang="en-US" sz="2400" b="0" u="sng" kern="0" dirty="0">
                 <a:solidFill>
                   <a:srgbClr val="8DACD0">
                     <a:lumMod val="40000"/>
@@ -18318,7 +18059,7 @@
               <a:t>b</a:t>
             </a:r>
             <a:r>
-              <a:rPr lang="en-US" sz="2400" u="sng" kern="0">
+              <a:rPr lang="en-US" sz="2400" u="sng" kern="0" dirty="0">
                 <a:solidFill>
                   <a:srgbClr val="8DACD0">
                     <a:lumMod val="75000"/>
@@ -18330,7 +18071,7 @@
               <a:t>&amp;sp</a:t>
             </a:r>
             <a:r>
-              <a:rPr lang="en-US" sz="2400" u="sng" kern="0">
+              <a:rPr lang="en-US" sz="2400" u="sng" kern="0" dirty="0">
                 <a:solidFill>
                   <a:srgbClr val="8DACD0">
                     <a:lumMod val="40000"/>
@@ -18343,7 +18084,7 @@
               <a:t>=</a:t>
             </a:r>
             <a:r>
-              <a:rPr lang="en-US" sz="2400" b="0" u="sng" kern="0">
+              <a:rPr lang="en-US" sz="2400" b="0" u="sng" kern="0" dirty="0">
                 <a:solidFill>
                   <a:srgbClr val="8DACD0">
                     <a:lumMod val="40000"/>
@@ -18356,7 +18097,7 @@
               <a:t>rw</a:t>
             </a:r>
             <a:r>
-              <a:rPr lang="en-US" sz="2400" u="sng" kern="0">
+              <a:rPr lang="en-US" sz="2400" u="sng" kern="0" dirty="0">
                 <a:solidFill>
                   <a:srgbClr val="8DACD0">
                     <a:lumMod val="75000"/>
@@ -18368,7 +18109,7 @@
               <a:t>&amp;sig</a:t>
             </a:r>
             <a:r>
-              <a:rPr lang="en-US" sz="2400" u="sng" kern="0">
+              <a:rPr lang="en-US" sz="2400" u="sng" kern="0" dirty="0">
                 <a:solidFill>
                   <a:srgbClr val="8DACD0">
                     <a:lumMod val="40000"/>
@@ -18381,7 +18122,7 @@
               <a:t>=</a:t>
             </a:r>
             <a:r>
-              <a:rPr lang="en-US" sz="2400" b="0" u="sng" kern="0">
+              <a:rPr lang="en-US" sz="2400" b="0" u="sng" kern="0" dirty="0">
                 <a:solidFill>
                   <a:srgbClr val="8DACD0">
                     <a:lumMod val="40000"/>
@@ -18398,7 +18139,7 @@
             <a:pPr marL="0" lvl="0" indent="0">
               <a:buNone/>
             </a:pPr>
-            <a:endParaRPr lang="en-US" sz="2400" b="0" u="sng" kern="0">
+            <a:endParaRPr lang="en-US" sz="2400" b="0" u="sng" kern="0" dirty="0">
               <a:solidFill>
                 <a:srgbClr val="8DACD0">
                   <a:lumMod val="75000"/>
@@ -18413,7 +18154,7 @@
               <a:buNone/>
             </a:pPr>
             <a:r>
-              <a:rPr lang="en-US" sz="2300" b="0" u="sng" kern="0">
+              <a:rPr lang="en-US" sz="2300" b="0" u="sng" kern="0" dirty="0">
                 <a:solidFill>
                   <a:srgbClr val="8DACD0">
                     <a:lumMod val="40000"/>
@@ -18426,7 +18167,7 @@
               <a:t>http://</a:t>
             </a:r>
             <a:r>
-              <a:rPr lang="en-US" sz="2300" u="sng" kern="0">
+              <a:rPr lang="en-US" sz="2300" u="sng" kern="0" dirty="0">
                 <a:solidFill>
                   <a:srgbClr val="8DACD0">
                     <a:lumMod val="75000"/>
@@ -18438,7 +18179,7 @@
               <a:t>[account]</a:t>
             </a:r>
             <a:r>
-              <a:rPr lang="en-US" sz="2300" b="0" u="sng" kern="0">
+              <a:rPr lang="en-US" sz="2300" b="0" u="sng" kern="0" dirty="0">
                 <a:solidFill>
                   <a:srgbClr val="8DACD0">
                     <a:lumMod val="40000"/>
@@ -18451,7 +18192,7 @@
               <a:t>.blob.core.windows.net/</a:t>
             </a:r>
             <a:r>
-              <a:rPr lang="en-US" sz="2300" u="sng" kern="0">
+              <a:rPr lang="en-US" sz="2300" u="sng" kern="0" dirty="0">
                 <a:solidFill>
                   <a:srgbClr val="8DACD0">
                     <a:lumMod val="75000"/>
@@ -18463,7 +18204,7 @@
               <a:t>[container]</a:t>
             </a:r>
             <a:r>
-              <a:rPr lang="en-US" sz="2300" b="0" u="sng" kern="0">
+              <a:rPr lang="en-US" sz="2300" b="0" u="sng" kern="0" dirty="0">
                 <a:solidFill>
                   <a:srgbClr val="8DACD0">
                     <a:lumMod val="40000"/>
@@ -18476,7 +18217,7 @@
               <a:t>/</a:t>
             </a:r>
             <a:r>
-              <a:rPr lang="en-US" sz="2300" u="sng" kern="0">
+              <a:rPr lang="en-US" sz="2300" u="sng" kern="0" dirty="0">
                 <a:solidFill>
                   <a:srgbClr val="8DACD0">
                     <a:lumMod val="75000"/>
@@ -18488,7 +18229,7 @@
               <a:t>[blob]</a:t>
             </a:r>
             <a:r>
-              <a:rPr lang="en-US" sz="2300" b="0" u="sng" kern="0">
+              <a:rPr lang="en-US" sz="2300" b="0" u="sng" kern="0" dirty="0">
                 <a:solidFill>
                   <a:srgbClr val="8DACD0">
                     <a:lumMod val="40000"/>
@@ -18501,7 +18242,7 @@
               <a:t>?sv=</a:t>
             </a:r>
             <a:r>
-              <a:rPr lang="en-US" sz="2300" u="sng" kern="0">
+              <a:rPr lang="en-US" sz="2300" u="sng" kern="0" dirty="0">
                 <a:solidFill>
                   <a:srgbClr val="8DACD0">
                     <a:lumMod val="75000"/>
@@ -18513,7 +18254,7 @@
               <a:t>[Storage Services Version]</a:t>
             </a:r>
             <a:r>
-              <a:rPr lang="en-US" sz="2300" b="0" u="sng" kern="0">
+              <a:rPr lang="en-US" sz="2300" b="0" u="sng" kern="0" dirty="0">
                 <a:solidFill>
                   <a:srgbClr val="8DACD0">
                     <a:lumMod val="40000"/>
@@ -18523,22 +18264,10 @@
                 <a:latin typeface="Consolas" panose="020B0609020204030204" pitchFamily="49" charset="0"/>
                 <a:cs typeface="Consolas" panose="020B0609020204030204" pitchFamily="49" charset="0"/>
               </a:rPr>
-              <a:t>&amp;?st=</a:t>
-            </a:r>
-            <a:r>
-              <a:rPr lang="en-US" sz="2300" u="sng" kern="0">
-                <a:solidFill>
-                  <a:srgbClr val="8DACD0">
-                    <a:lumMod val="75000"/>
-                  </a:srgbClr>
-                </a:solidFill>
-                <a:latin typeface="Consolas" panose="020B0609020204030204" pitchFamily="49" charset="0"/>
-                <a:cs typeface="Consolas" panose="020B0609020204030204" pitchFamily="49" charset="0"/>
-              </a:rPr>
-              <a:t>[Start Time]</a:t>
-            </a:r>
-            <a:r>
-              <a:rPr lang="en-US" sz="2300" b="0" u="sng" kern="0">
+              <a:t>&amp;?</a:t>
+            </a:r>
+            <a:r>
+              <a:rPr lang="en-US" sz="2300" b="0" u="sng" kern="0" dirty="0" err="1">
                 <a:solidFill>
                   <a:srgbClr val="8DACD0">
                     <a:lumMod val="40000"/>
@@ -18548,22 +18277,10 @@
                 <a:latin typeface="Consolas" panose="020B0609020204030204" pitchFamily="49" charset="0"/>
                 <a:cs typeface="Consolas" panose="020B0609020204030204" pitchFamily="49" charset="0"/>
               </a:rPr>
-              <a:t>&amp;se=</a:t>
-            </a:r>
-            <a:r>
-              <a:rPr lang="en-US" sz="2300" u="sng" kern="0">
-                <a:solidFill>
-                  <a:srgbClr val="8DACD0">
-                    <a:lumMod val="75000"/>
-                  </a:srgbClr>
-                </a:solidFill>
-                <a:latin typeface="Consolas" panose="020B0609020204030204" pitchFamily="49" charset="0"/>
-                <a:cs typeface="Consolas" panose="020B0609020204030204" pitchFamily="49" charset="0"/>
-              </a:rPr>
-              <a:t>[Expiry</a:t>
-            </a:r>
-            <a:r>
-              <a:rPr lang="en-US" sz="2300" b="0" u="sng" kern="0">
+              <a:t>st</a:t>
+            </a:r>
+            <a:r>
+              <a:rPr lang="en-US" sz="2300" b="0" u="sng" kern="0" dirty="0">
                 <a:solidFill>
                   <a:srgbClr val="8DACD0">
                     <a:lumMod val="40000"/>
@@ -18573,10 +18290,10 @@
                 <a:latin typeface="Consolas" panose="020B0609020204030204" pitchFamily="49" charset="0"/>
                 <a:cs typeface="Consolas" panose="020B0609020204030204" pitchFamily="49" charset="0"/>
               </a:rPr>
-              <a:t> </a:t>
-            </a:r>
-            <a:r>
-              <a:rPr lang="en-US" sz="2300" u="sng" kern="0">
+              <a:t>=</a:t>
+            </a:r>
+            <a:r>
+              <a:rPr lang="en-US" sz="2300" u="sng" kern="0" dirty="0">
                 <a:solidFill>
                   <a:srgbClr val="8DACD0">
                     <a:lumMod val="75000"/>
@@ -18585,10 +18302,10 @@
                 <a:latin typeface="Consolas" panose="020B0609020204030204" pitchFamily="49" charset="0"/>
                 <a:cs typeface="Consolas" panose="020B0609020204030204" pitchFamily="49" charset="0"/>
               </a:rPr>
-              <a:t>Time]</a:t>
-            </a:r>
-            <a:r>
-              <a:rPr lang="en-US" sz="2300" b="0" u="sng" kern="0">
+              <a:t>[Start Time]</a:t>
+            </a:r>
+            <a:r>
+              <a:rPr lang="en-US" sz="2300" b="0" u="sng" kern="0" dirty="0">
                 <a:solidFill>
                   <a:srgbClr val="8DACD0">
                     <a:lumMod val="40000"/>
@@ -18598,10 +18315,10 @@
                 <a:latin typeface="Consolas" panose="020B0609020204030204" pitchFamily="49" charset="0"/>
                 <a:cs typeface="Consolas" panose="020B0609020204030204" pitchFamily="49" charset="0"/>
               </a:rPr>
-              <a:t>&amp;sr=</a:t>
-            </a:r>
-            <a:r>
-              <a:rPr lang="en-US" sz="2300" u="sng" kern="0">
+              <a:t>&amp;se=</a:t>
+            </a:r>
+            <a:r>
+              <a:rPr lang="en-US" sz="2300" u="sng" kern="0" dirty="0">
                 <a:solidFill>
                   <a:srgbClr val="8DACD0">
                     <a:lumMod val="75000"/>
@@ -18610,10 +18327,10 @@
                 <a:latin typeface="Consolas" panose="020B0609020204030204" pitchFamily="49" charset="0"/>
                 <a:cs typeface="Consolas" panose="020B0609020204030204" pitchFamily="49" charset="0"/>
               </a:rPr>
-              <a:t>[Resource]</a:t>
-            </a:r>
-            <a:r>
-              <a:rPr lang="en-US" sz="2300" b="0" u="sng" kern="0">
+              <a:t>[Expiry</a:t>
+            </a:r>
+            <a:r>
+              <a:rPr lang="en-US" sz="2300" b="0" u="sng" kern="0" dirty="0">
                 <a:solidFill>
                   <a:srgbClr val="8DACD0">
                     <a:lumMod val="40000"/>
@@ -18623,10 +18340,10 @@
                 <a:latin typeface="Consolas" panose="020B0609020204030204" pitchFamily="49" charset="0"/>
                 <a:cs typeface="Consolas" panose="020B0609020204030204" pitchFamily="49" charset="0"/>
               </a:rPr>
-              <a:t>&amp;sr=</a:t>
-            </a:r>
-            <a:r>
-              <a:rPr lang="en-US" sz="2300" u="sng" kern="0">
+              <a:t> </a:t>
+            </a:r>
+            <a:r>
+              <a:rPr lang="en-US" sz="2300" u="sng" kern="0" dirty="0">
                 <a:solidFill>
                   <a:srgbClr val="8DACD0">
                     <a:lumMod val="75000"/>
@@ -18635,10 +18352,10 @@
                 <a:latin typeface="Consolas" panose="020B0609020204030204" pitchFamily="49" charset="0"/>
                 <a:cs typeface="Consolas" panose="020B0609020204030204" pitchFamily="49" charset="0"/>
               </a:rPr>
-              <a:t>[Permissions</a:t>
-            </a:r>
-            <a:r>
-              <a:rPr lang="en-US" sz="2300" b="0" u="sng" kern="0">
+              <a:t>Time]</a:t>
+            </a:r>
+            <a:r>
+              <a:rPr lang="en-US" sz="2300" b="0" u="sng" kern="0" dirty="0">
                 <a:solidFill>
                   <a:srgbClr val="8DACD0">
                     <a:lumMod val="40000"/>
@@ -18648,22 +18365,10 @@
                 <a:latin typeface="Consolas" panose="020B0609020204030204" pitchFamily="49" charset="0"/>
                 <a:cs typeface="Consolas" panose="020B0609020204030204" pitchFamily="49" charset="0"/>
               </a:rPr>
-              <a:t> </a:t>
-            </a:r>
-            <a:r>
-              <a:rPr lang="en-US" sz="2300" u="sng" kern="0">
-                <a:solidFill>
-                  <a:srgbClr val="8DACD0">
-                    <a:lumMod val="75000"/>
-                  </a:srgbClr>
-                </a:solidFill>
-                <a:latin typeface="Consolas" panose="020B0609020204030204" pitchFamily="49" charset="0"/>
-                <a:cs typeface="Consolas" panose="020B0609020204030204" pitchFamily="49" charset="0"/>
-              </a:rPr>
-              <a:t>Granted]</a:t>
-            </a:r>
-            <a:r>
-              <a:rPr lang="en-US" sz="2300" b="0" u="sng" kern="0">
+              <a:t>&amp;</a:t>
+            </a:r>
+            <a:r>
+              <a:rPr lang="en-US" sz="2300" b="0" u="sng" kern="0" dirty="0" err="1">
                 <a:solidFill>
                   <a:srgbClr val="8DACD0">
                     <a:lumMod val="40000"/>
@@ -18673,22 +18378,10 @@
                 <a:latin typeface="Consolas" panose="020B0609020204030204" pitchFamily="49" charset="0"/>
                 <a:cs typeface="Consolas" panose="020B0609020204030204" pitchFamily="49" charset="0"/>
               </a:rPr>
-              <a:t>&amp;si=</a:t>
-            </a:r>
-            <a:r>
-              <a:rPr lang="en-US" sz="2300" u="sng" kern="0">
-                <a:solidFill>
-                  <a:srgbClr val="8DACD0">
-                    <a:lumMod val="75000"/>
-                  </a:srgbClr>
-                </a:solidFill>
-                <a:latin typeface="Consolas" panose="020B0609020204030204" pitchFamily="49" charset="0"/>
-                <a:cs typeface="Consolas" panose="020B0609020204030204" pitchFamily="49" charset="0"/>
-              </a:rPr>
-              <a:t>[nameofpolicy]</a:t>
-            </a:r>
-            <a:r>
-              <a:rPr lang="en-US" sz="2300" b="0" u="sng" kern="0">
+              <a:t>sr</a:t>
+            </a:r>
+            <a:r>
+              <a:rPr lang="en-US" sz="2300" b="0" u="sng" kern="0" dirty="0">
                 <a:solidFill>
                   <a:srgbClr val="8DACD0">
                     <a:lumMod val="40000"/>
@@ -18698,10 +18391,10 @@
                 <a:latin typeface="Consolas" panose="020B0609020204030204" pitchFamily="49" charset="0"/>
                 <a:cs typeface="Consolas" panose="020B0609020204030204" pitchFamily="49" charset="0"/>
               </a:rPr>
-              <a:t>&amp;sig=</a:t>
-            </a:r>
-            <a:r>
-              <a:rPr lang="en-US" sz="2300" u="sng" kern="0">
+              <a:t>=</a:t>
+            </a:r>
+            <a:r>
+              <a:rPr lang="en-US" sz="2300" u="sng" kern="0" dirty="0">
                 <a:solidFill>
                   <a:srgbClr val="8DACD0">
                     <a:lumMod val="75000"/>
@@ -18710,10 +18403,10 @@
                 <a:latin typeface="Consolas" panose="020B0609020204030204" pitchFamily="49" charset="0"/>
                 <a:cs typeface="Consolas" panose="020B0609020204030204" pitchFamily="49" charset="0"/>
               </a:rPr>
-              <a:t>[HMAC-SHA256</a:t>
-            </a:r>
-            <a:r>
-              <a:rPr lang="en-US" sz="2300" b="0" u="sng" kern="0">
+              <a:t>[Resource]</a:t>
+            </a:r>
+            <a:r>
+              <a:rPr lang="en-US" sz="2300" b="0" u="sng" kern="0" dirty="0">
                 <a:solidFill>
                   <a:srgbClr val="8DACD0">
                     <a:lumMod val="40000"/>
@@ -18723,10 +18416,36 @@
                 <a:latin typeface="Consolas" panose="020B0609020204030204" pitchFamily="49" charset="0"/>
                 <a:cs typeface="Consolas" panose="020B0609020204030204" pitchFamily="49" charset="0"/>
               </a:rPr>
-              <a:t> </a:t>
-            </a:r>
-            <a:r>
-              <a:rPr lang="en-US" sz="2300" u="sng" kern="0">
+              <a:t>&amp;</a:t>
+            </a:r>
+            <a:r>
+              <a:rPr lang="en-US" sz="2300" b="0" u="sng" kern="0" dirty="0" err="1">
+                <a:solidFill>
+                  <a:srgbClr val="8DACD0">
+                    <a:lumMod val="40000"/>
+                    <a:lumOff val="60000"/>
+                  </a:srgbClr>
+                </a:solidFill>
+                <a:latin typeface="Consolas" panose="020B0609020204030204" pitchFamily="49" charset="0"/>
+                <a:cs typeface="Consolas" panose="020B0609020204030204" pitchFamily="49" charset="0"/>
+              </a:rPr>
+              <a:t>sr</a:t>
+            </a:r>
+            <a:r>
+              <a:rPr lang="en-US" sz="2300" b="0" u="sng" kern="0" dirty="0">
+                <a:solidFill>
+                  <a:srgbClr val="8DACD0">
+                    <a:lumMod val="40000"/>
+                    <a:lumOff val="60000"/>
+                  </a:srgbClr>
+                </a:solidFill>
+                <a:latin typeface="Consolas" panose="020B0609020204030204" pitchFamily="49" charset="0"/>
+                <a:cs typeface="Consolas" panose="020B0609020204030204" pitchFamily="49" charset="0"/>
+              </a:rPr>
+              <a:t>=</a:t>
+            </a:r>
+            <a:r>
+              <a:rPr lang="en-US" sz="2300" u="sng" kern="0" dirty="0">
                 <a:solidFill>
                   <a:srgbClr val="8DACD0">
                     <a:lumMod val="75000"/>
@@ -18735,17 +18454,158 @@
                 <a:latin typeface="Consolas" panose="020B0609020204030204" pitchFamily="49" charset="0"/>
                 <a:cs typeface="Consolas" panose="020B0609020204030204" pitchFamily="49" charset="0"/>
               </a:rPr>
+              <a:t>[Permissions</a:t>
+            </a:r>
+            <a:r>
+              <a:rPr lang="en-US" sz="2300" b="0" u="sng" kern="0" dirty="0">
+                <a:solidFill>
+                  <a:srgbClr val="8DACD0">
+                    <a:lumMod val="40000"/>
+                    <a:lumOff val="60000"/>
+                  </a:srgbClr>
+                </a:solidFill>
+                <a:latin typeface="Consolas" panose="020B0609020204030204" pitchFamily="49" charset="0"/>
+                <a:cs typeface="Consolas" panose="020B0609020204030204" pitchFamily="49" charset="0"/>
+              </a:rPr>
+              <a:t> </a:t>
+            </a:r>
+            <a:r>
+              <a:rPr lang="en-US" sz="2300" u="sng" kern="0" dirty="0">
+                <a:solidFill>
+                  <a:srgbClr val="8DACD0">
+                    <a:lumMod val="75000"/>
+                  </a:srgbClr>
+                </a:solidFill>
+                <a:latin typeface="Consolas" panose="020B0609020204030204" pitchFamily="49" charset="0"/>
+                <a:cs typeface="Consolas" panose="020B0609020204030204" pitchFamily="49" charset="0"/>
+              </a:rPr>
+              <a:t>Granted]</a:t>
+            </a:r>
+            <a:r>
+              <a:rPr lang="en-US" sz="2300" b="0" u="sng" kern="0" dirty="0">
+                <a:solidFill>
+                  <a:srgbClr val="8DACD0">
+                    <a:lumMod val="40000"/>
+                    <a:lumOff val="60000"/>
+                  </a:srgbClr>
+                </a:solidFill>
+                <a:latin typeface="Consolas" panose="020B0609020204030204" pitchFamily="49" charset="0"/>
+                <a:cs typeface="Consolas" panose="020B0609020204030204" pitchFamily="49" charset="0"/>
+              </a:rPr>
+              <a:t>&amp;</a:t>
+            </a:r>
+            <a:r>
+              <a:rPr lang="en-US" sz="2300" b="0" u="sng" kern="0" dirty="0" err="1">
+                <a:solidFill>
+                  <a:srgbClr val="8DACD0">
+                    <a:lumMod val="40000"/>
+                    <a:lumOff val="60000"/>
+                  </a:srgbClr>
+                </a:solidFill>
+                <a:latin typeface="Consolas" panose="020B0609020204030204" pitchFamily="49" charset="0"/>
+                <a:cs typeface="Consolas" panose="020B0609020204030204" pitchFamily="49" charset="0"/>
+              </a:rPr>
+              <a:t>si</a:t>
+            </a:r>
+            <a:r>
+              <a:rPr lang="en-US" sz="2300" b="0" u="sng" kern="0" dirty="0">
+                <a:solidFill>
+                  <a:srgbClr val="8DACD0">
+                    <a:lumMod val="40000"/>
+                    <a:lumOff val="60000"/>
+                  </a:srgbClr>
+                </a:solidFill>
+                <a:latin typeface="Consolas" panose="020B0609020204030204" pitchFamily="49" charset="0"/>
+                <a:cs typeface="Consolas" panose="020B0609020204030204" pitchFamily="49" charset="0"/>
+              </a:rPr>
+              <a:t>=</a:t>
+            </a:r>
+            <a:r>
+              <a:rPr lang="en-US" sz="2300" u="sng" kern="0" dirty="0">
+                <a:solidFill>
+                  <a:srgbClr val="8DACD0">
+                    <a:lumMod val="75000"/>
+                  </a:srgbClr>
+                </a:solidFill>
+                <a:latin typeface="Consolas" panose="020B0609020204030204" pitchFamily="49" charset="0"/>
+                <a:cs typeface="Consolas" panose="020B0609020204030204" pitchFamily="49" charset="0"/>
+              </a:rPr>
+              <a:t>[</a:t>
+            </a:r>
+            <a:r>
+              <a:rPr lang="en-US" sz="2300" u="sng" kern="0" dirty="0" err="1">
+                <a:solidFill>
+                  <a:srgbClr val="8DACD0">
+                    <a:lumMod val="75000"/>
+                  </a:srgbClr>
+                </a:solidFill>
+                <a:latin typeface="Consolas" panose="020B0609020204030204" pitchFamily="49" charset="0"/>
+                <a:cs typeface="Consolas" panose="020B0609020204030204" pitchFamily="49" charset="0"/>
+              </a:rPr>
+              <a:t>nameofpolicy</a:t>
+            </a:r>
+            <a:r>
+              <a:rPr lang="en-US" sz="2300" u="sng" kern="0" dirty="0">
+                <a:solidFill>
+                  <a:srgbClr val="8DACD0">
+                    <a:lumMod val="75000"/>
+                  </a:srgbClr>
+                </a:solidFill>
+                <a:latin typeface="Consolas" panose="020B0609020204030204" pitchFamily="49" charset="0"/>
+                <a:cs typeface="Consolas" panose="020B0609020204030204" pitchFamily="49" charset="0"/>
+              </a:rPr>
+              <a:t>]</a:t>
+            </a:r>
+            <a:r>
+              <a:rPr lang="en-US" sz="2300" b="0" u="sng" kern="0" dirty="0">
+                <a:solidFill>
+                  <a:srgbClr val="8DACD0">
+                    <a:lumMod val="40000"/>
+                    <a:lumOff val="60000"/>
+                  </a:srgbClr>
+                </a:solidFill>
+                <a:latin typeface="Consolas" panose="020B0609020204030204" pitchFamily="49" charset="0"/>
+                <a:cs typeface="Consolas" panose="020B0609020204030204" pitchFamily="49" charset="0"/>
+              </a:rPr>
+              <a:t>&amp;sig=</a:t>
+            </a:r>
+            <a:r>
+              <a:rPr lang="en-US" sz="2300" u="sng" kern="0" dirty="0">
+                <a:solidFill>
+                  <a:srgbClr val="8DACD0">
+                    <a:lumMod val="75000"/>
+                  </a:srgbClr>
+                </a:solidFill>
+                <a:latin typeface="Consolas" panose="020B0609020204030204" pitchFamily="49" charset="0"/>
+                <a:cs typeface="Consolas" panose="020B0609020204030204" pitchFamily="49" charset="0"/>
+              </a:rPr>
+              <a:t>[HMAC-SHA256</a:t>
+            </a:r>
+            <a:r>
+              <a:rPr lang="en-US" sz="2300" b="0" u="sng" kern="0" dirty="0">
+                <a:solidFill>
+                  <a:srgbClr val="8DACD0">
+                    <a:lumMod val="40000"/>
+                    <a:lumOff val="60000"/>
+                  </a:srgbClr>
+                </a:solidFill>
+                <a:latin typeface="Consolas" panose="020B0609020204030204" pitchFamily="49" charset="0"/>
+                <a:cs typeface="Consolas" panose="020B0609020204030204" pitchFamily="49" charset="0"/>
+              </a:rPr>
+              <a:t> </a:t>
+            </a:r>
+            <a:r>
+              <a:rPr lang="en-US" sz="2300" u="sng" kern="0" dirty="0">
+                <a:solidFill>
+                  <a:srgbClr val="8DACD0">
+                    <a:lumMod val="75000"/>
+                  </a:srgbClr>
+                </a:solidFill>
+                <a:latin typeface="Consolas" panose="020B0609020204030204" pitchFamily="49" charset="0"/>
+                <a:cs typeface="Consolas" panose="020B0609020204030204" pitchFamily="49" charset="0"/>
+              </a:rPr>
               <a:t>value]</a:t>
             </a:r>
-            <a:endParaRPr lang="en-US" sz="2300" u="sng" kern="0" dirty="0">
-              <a:solidFill>
-                <a:srgbClr val="8DACD0">
-                  <a:lumMod val="75000"/>
-                </a:srgbClr>
-              </a:solidFill>
-              <a:latin typeface="Consolas" panose="020B0609020204030204" pitchFamily="49" charset="0"/>
-              <a:cs typeface="Consolas" panose="020B0609020204030204" pitchFamily="49" charset="0"/>
-            </a:endParaRPr>
           </a:p>
         </p:txBody>
       </p:sp>
@@ -18798,7 +18658,6 @@
               <a:rPr lang="en-US"/>
               <a:t>Stored Access Policies</a:t>
             </a:r>
-            <a:endParaRPr lang="en-US"/>
           </a:p>
         </p:txBody>
       </p:sp>
@@ -19147,7 +19006,6 @@
               <a:rPr lang="en-US"/>
               <a:t>Generating Shared Access Signatures from Policies</a:t>
             </a:r>
-            <a:endParaRPr lang="en-US"/>
           </a:p>
         </p:txBody>
       </p:sp>
@@ -19390,7 +19248,7 @@
               <a:buNone/>
             </a:pPr>
             <a:r>
-              <a:rPr lang="en-US" altLang="en-US" sz="2000" b="0" kern="0">
+              <a:rPr lang="en-US" altLang="en-US" sz="2000" b="0" kern="0" dirty="0">
                 <a:solidFill>
                   <a:srgbClr val="008000"/>
                 </a:solidFill>
@@ -19405,27 +19263,57 @@
               <a:buNone/>
             </a:pPr>
             <a:r>
-              <a:rPr lang="en-US" altLang="en-US" sz="2000" b="0" kern="0">
+              <a:rPr lang="en-US" altLang="en-US" sz="2000" b="0" kern="0" dirty="0" err="1">
                 <a:solidFill>
                   <a:srgbClr val="000000"/>
                 </a:solidFill>
                 <a:latin typeface="Consolas" panose="020B0609020204030204" pitchFamily="49" charset="0"/>
                 <a:cs typeface="Consolas" panose="020B0609020204030204" pitchFamily="49" charset="0"/>
               </a:rPr>
-              <a:t>var container = blobClient.GetContainerReference(</a:t>
-            </a:r>
-            <a:r>
-              <a:rPr lang="en-US" altLang="en-US" sz="2000" b="0" kern="0">
-                <a:solidFill>
-                  <a:srgbClr val="A31515"/>
+              <a:t>var</a:t>
+            </a:r>
+            <a:r>
+              <a:rPr lang="en-US" altLang="en-US" sz="2000" b="0" kern="0" dirty="0">
+                <a:solidFill>
+                  <a:srgbClr val="000000"/>
                 </a:solidFill>
                 <a:latin typeface="Consolas" panose="020B0609020204030204" pitchFamily="49" charset="0"/>
                 <a:cs typeface="Consolas" panose="020B0609020204030204" pitchFamily="49" charset="0"/>
               </a:rPr>
-              <a:t>“files"</a:t>
-            </a:r>
-            <a:r>
-              <a:rPr lang="en-US" altLang="en-US" sz="2000" b="0" kern="0">
+              <a:t> container = </a:t>
+            </a:r>
+            <a:r>
+              <a:rPr lang="en-US" altLang="en-US" sz="2000" b="0" kern="0" dirty="0" err="1">
+                <a:solidFill>
+                  <a:srgbClr val="000000"/>
+                </a:solidFill>
+                <a:latin typeface="Consolas" panose="020B0609020204030204" pitchFamily="49" charset="0"/>
+                <a:cs typeface="Consolas" panose="020B0609020204030204" pitchFamily="49" charset="0"/>
+              </a:rPr>
+              <a:t>blobClient.GetContainerReference</a:t>
+            </a:r>
+            <a:r>
+              <a:rPr lang="en-US" altLang="en-US" sz="2000" b="0" kern="0" dirty="0">
+                <a:solidFill>
+                  <a:srgbClr val="000000"/>
+                </a:solidFill>
+                <a:latin typeface="Consolas" panose="020B0609020204030204" pitchFamily="49" charset="0"/>
+                <a:cs typeface="Consolas" panose="020B0609020204030204" pitchFamily="49" charset="0"/>
+              </a:rPr>
+              <a:t>(</a:t>
+            </a:r>
+            <a:r>
+              <a:rPr lang="en-US" altLang="en-US" sz="2000" b="0" kern="0" dirty="0">
+                <a:solidFill>
+                  <a:srgbClr val="A31515"/>
+                </a:solidFill>
+                <a:latin typeface="Consolas" panose="020B0609020204030204" pitchFamily="49" charset="0"/>
+                <a:cs typeface="Consolas" panose="020B0609020204030204" pitchFamily="49" charset="0"/>
+              </a:rPr>
+              <a:t>"files"</a:t>
+            </a:r>
+            <a:r>
+              <a:rPr lang="en-US" altLang="en-US" sz="2000" b="0" kern="0" dirty="0">
                 <a:solidFill>
                   <a:srgbClr val="000000"/>
                 </a:solidFill>
@@ -19440,21 +19328,31 @@
               <a:buNone/>
             </a:pPr>
             <a:r>
-              <a:rPr lang="en-US" altLang="en-US" sz="2000" b="0" kern="0">
+              <a:rPr lang="en-US" altLang="en-US" sz="2000" b="0" kern="0" dirty="0" err="1">
                 <a:solidFill>
                   <a:srgbClr val="000000"/>
                 </a:solidFill>
                 <a:latin typeface="Consolas" panose="020B0609020204030204" pitchFamily="49" charset="0"/>
                 <a:cs typeface="Consolas" panose="020B0609020204030204" pitchFamily="49" charset="0"/>
               </a:rPr>
-              <a:t>container.CreateIfNotExists(); </a:t>
+              <a:t>container.CreateIfNotExists</a:t>
+            </a:r>
+            <a:r>
+              <a:rPr lang="en-US" altLang="en-US" sz="2000" b="0" kern="0" dirty="0">
+                <a:solidFill>
+                  <a:srgbClr val="000000"/>
+                </a:solidFill>
+                <a:latin typeface="Consolas" panose="020B0609020204030204" pitchFamily="49" charset="0"/>
+                <a:cs typeface="Consolas" panose="020B0609020204030204" pitchFamily="49" charset="0"/>
+              </a:rPr>
+              <a:t>(); </a:t>
             </a:r>
           </a:p>
           <a:p>
             <a:pPr marL="0" lvl="0" indent="0">
               <a:buNone/>
             </a:pPr>
-            <a:endParaRPr lang="en-US" altLang="en-US" sz="2000" b="0" kern="0">
+            <a:endParaRPr lang="en-US" altLang="en-US" sz="2000" b="0" kern="0" dirty="0">
               <a:solidFill>
                 <a:srgbClr val="000000"/>
               </a:solidFill>
@@ -19467,7 +19365,7 @@
               <a:buNone/>
             </a:pPr>
             <a:r>
-              <a:rPr lang="en-US" altLang="en-US" sz="2000" b="0" kern="0">
+              <a:rPr lang="en-US" altLang="en-US" sz="2000" b="0" kern="0" dirty="0">
                 <a:solidFill>
                   <a:srgbClr val="008000"/>
                 </a:solidFill>
@@ -19482,67 +19380,157 @@
               <a:buNone/>
             </a:pPr>
             <a:r>
-              <a:rPr lang="en-US" altLang="en-US" sz="2000" b="0" kern="0">
+              <a:rPr lang="en-US" altLang="en-US" sz="2000" b="0" kern="0" dirty="0" err="1">
                 <a:solidFill>
                   <a:srgbClr val="000000"/>
                 </a:solidFill>
                 <a:latin typeface="Consolas" panose="020B0609020204030204" pitchFamily="49" charset="0"/>
                 <a:cs typeface="Consolas" panose="020B0609020204030204" pitchFamily="49" charset="0"/>
               </a:rPr>
-              <a:t>var blobPermissions = </a:t>
-            </a:r>
-            <a:r>
-              <a:rPr lang="en-US" altLang="en-US" sz="2000" b="0" kern="0">
-                <a:solidFill>
-                  <a:srgbClr val="0000FF"/>
+              <a:t>var</a:t>
+            </a:r>
+            <a:r>
+              <a:rPr lang="en-US" altLang="en-US" sz="2000" b="0" kern="0" dirty="0">
+                <a:solidFill>
+                  <a:srgbClr val="000000"/>
                 </a:solidFill>
                 <a:latin typeface="Consolas" panose="020B0609020204030204" pitchFamily="49" charset="0"/>
                 <a:cs typeface="Consolas" panose="020B0609020204030204" pitchFamily="49" charset="0"/>
               </a:rPr>
-              <a:t>new</a:t>
-            </a:r>
-            <a:r>
-              <a:rPr lang="en-US" altLang="en-US" sz="2000" b="0" kern="0">
+              <a:t> </a:t>
+            </a:r>
+            <a:r>
+              <a:rPr lang="en-US" altLang="en-US" sz="2000" b="0" kern="0" dirty="0" err="1">
                 <a:solidFill>
                   <a:srgbClr val="000000"/>
                 </a:solidFill>
                 <a:latin typeface="Consolas" panose="020B0609020204030204" pitchFamily="49" charset="0"/>
                 <a:cs typeface="Consolas" panose="020B0609020204030204" pitchFamily="49" charset="0"/>
               </a:rPr>
-              <a:t> BlobContainerPermissions(); blobPermissions.SharedAccessPolicies.Add(</a:t>
-            </a:r>
-            <a:r>
-              <a:rPr lang="en-US" altLang="en-US" sz="2000" b="0" kern="0">
-                <a:solidFill>
-                  <a:srgbClr val="A31515"/>
+              <a:t>blobPermissions</a:t>
+            </a:r>
+            <a:r>
+              <a:rPr lang="en-US" altLang="en-US" sz="2000" b="0" kern="0" dirty="0">
+                <a:solidFill>
+                  <a:srgbClr val="000000"/>
                 </a:solidFill>
                 <a:latin typeface="Consolas" panose="020B0609020204030204" pitchFamily="49" charset="0"/>
                 <a:cs typeface="Consolas" panose="020B0609020204030204" pitchFamily="49" charset="0"/>
               </a:rPr>
-              <a:t>"mypolicy"</a:t>
-            </a:r>
-            <a:r>
-              <a:rPr lang="en-US" altLang="en-US" sz="2000" b="0" kern="0">
-                <a:solidFill>
-                  <a:srgbClr val="000000"/>
+              <a:t> = </a:t>
+            </a:r>
+            <a:r>
+              <a:rPr lang="en-US" altLang="en-US" sz="2000" b="0" kern="0" dirty="0">
+                <a:solidFill>
+                  <a:srgbClr val="0000FF"/>
                 </a:solidFill>
                 <a:latin typeface="Consolas" panose="020B0609020204030204" pitchFamily="49" charset="0"/>
                 <a:cs typeface="Consolas" panose="020B0609020204030204" pitchFamily="49" charset="0"/>
               </a:rPr>
-              <a:t>, </a:t>
-            </a:r>
-            <a:r>
-              <a:rPr lang="en-US" altLang="en-US" sz="2000" b="0" kern="0">
-                <a:solidFill>
-                  <a:srgbClr val="0000FF"/>
+              <a:t>new</a:t>
+            </a:r>
+            <a:r>
+              <a:rPr lang="en-US" altLang="en-US" sz="2000" b="0" kern="0" dirty="0">
+                <a:solidFill>
+                  <a:srgbClr val="000000"/>
                 </a:solidFill>
                 <a:latin typeface="Consolas" panose="020B0609020204030204" pitchFamily="49" charset="0"/>
                 <a:cs typeface="Consolas" panose="020B0609020204030204" pitchFamily="49" charset="0"/>
               </a:rPr>
+              <a:t> </a:t>
+            </a:r>
+            <a:r>
+              <a:rPr lang="en-US" altLang="en-US" sz="2000" b="0" kern="0" dirty="0" err="1">
+                <a:solidFill>
+                  <a:srgbClr val="000000"/>
+                </a:solidFill>
+                <a:latin typeface="Consolas" panose="020B0609020204030204" pitchFamily="49" charset="0"/>
+                <a:cs typeface="Consolas" panose="020B0609020204030204" pitchFamily="49" charset="0"/>
+              </a:rPr>
+              <a:t>BlobContainerPermissions</a:t>
+            </a:r>
+            <a:r>
+              <a:rPr lang="en-US" altLang="en-US" sz="2000" b="0" kern="0" dirty="0">
+                <a:solidFill>
+                  <a:srgbClr val="000000"/>
+                </a:solidFill>
+                <a:latin typeface="Consolas" panose="020B0609020204030204" pitchFamily="49" charset="0"/>
+                <a:cs typeface="Consolas" panose="020B0609020204030204" pitchFamily="49" charset="0"/>
+              </a:rPr>
+              <a:t>(); </a:t>
+            </a:r>
+            <a:r>
+              <a:rPr lang="en-US" altLang="en-US" sz="2000" b="0" kern="0" dirty="0" err="1">
+                <a:solidFill>
+                  <a:srgbClr val="000000"/>
+                </a:solidFill>
+                <a:latin typeface="Consolas" panose="020B0609020204030204" pitchFamily="49" charset="0"/>
+                <a:cs typeface="Consolas" panose="020B0609020204030204" pitchFamily="49" charset="0"/>
+              </a:rPr>
+              <a:t>blobPermissions.SharedAccessPolicies.Add</a:t>
+            </a:r>
+            <a:r>
+              <a:rPr lang="en-US" altLang="en-US" sz="2000" b="0" kern="0" dirty="0">
+                <a:solidFill>
+                  <a:srgbClr val="000000"/>
+                </a:solidFill>
+                <a:latin typeface="Consolas" panose="020B0609020204030204" pitchFamily="49" charset="0"/>
+                <a:cs typeface="Consolas" panose="020B0609020204030204" pitchFamily="49" charset="0"/>
+              </a:rPr>
+              <a:t>(</a:t>
+            </a:r>
+            <a:r>
+              <a:rPr lang="en-US" altLang="en-US" sz="2000" b="0" kern="0" dirty="0">
+                <a:solidFill>
+                  <a:srgbClr val="A31515"/>
+                </a:solidFill>
+                <a:latin typeface="Consolas" panose="020B0609020204030204" pitchFamily="49" charset="0"/>
+                <a:cs typeface="Consolas" panose="020B0609020204030204" pitchFamily="49" charset="0"/>
+              </a:rPr>
+              <a:t>"</a:t>
+            </a:r>
+            <a:r>
+              <a:rPr lang="en-US" altLang="en-US" sz="2000" b="0" kern="0" dirty="0" err="1">
+                <a:solidFill>
+                  <a:srgbClr val="A31515"/>
+                </a:solidFill>
+                <a:latin typeface="Consolas" panose="020B0609020204030204" pitchFamily="49" charset="0"/>
+                <a:cs typeface="Consolas" panose="020B0609020204030204" pitchFamily="49" charset="0"/>
+              </a:rPr>
+              <a:t>mypolicy</a:t>
+            </a:r>
+            <a:r>
+              <a:rPr lang="en-US" altLang="en-US" sz="2000" b="0" kern="0" dirty="0">
+                <a:solidFill>
+                  <a:srgbClr val="A31515"/>
+                </a:solidFill>
+                <a:latin typeface="Consolas" panose="020B0609020204030204" pitchFamily="49" charset="0"/>
+                <a:cs typeface="Consolas" panose="020B0609020204030204" pitchFamily="49" charset="0"/>
+              </a:rPr>
+              <a:t>"</a:t>
+            </a:r>
+            <a:r>
+              <a:rPr lang="en-US" altLang="en-US" sz="2000" b="0" kern="0" dirty="0">
+                <a:solidFill>
+                  <a:srgbClr val="000000"/>
+                </a:solidFill>
+                <a:latin typeface="Consolas" panose="020B0609020204030204" pitchFamily="49" charset="0"/>
+                <a:cs typeface="Consolas" panose="020B0609020204030204" pitchFamily="49" charset="0"/>
+              </a:rPr>
+              <a:t>, </a:t>
+            </a:r>
+            <a:r>
+              <a:rPr lang="en-US" altLang="en-US" sz="2000" b="0" kern="0" dirty="0">
+                <a:solidFill>
+                  <a:srgbClr val="0000FF"/>
+                </a:solidFill>
+                <a:latin typeface="Consolas" panose="020B0609020204030204" pitchFamily="49" charset="0"/>
+                <a:cs typeface="Consolas" panose="020B0609020204030204" pitchFamily="49" charset="0"/>
+              </a:rPr>
               <a:t>new</a:t>
             </a:r>
             <a:r>
-              <a:rPr lang="en-US" altLang="en-US" sz="2000" b="0" kern="0">
+              <a:rPr lang="en-US" altLang="en-US" sz="2000" b="0" kern="0" dirty="0">
                 <a:solidFill>
                   <a:srgbClr val="000000"/>
                 </a:solidFill>
@@ -19557,16 +19545,36 @@
               <a:buNone/>
             </a:pPr>
             <a:r>
-              <a:rPr lang="en-US" altLang="en-US" sz="2000" b="0" kern="0">
+              <a:rPr lang="en-US" altLang="en-US" sz="2000" b="0" kern="0" dirty="0">
                 <a:solidFill>
                   <a:srgbClr val="000000"/>
                 </a:solidFill>
                 <a:latin typeface="Consolas" panose="020B0609020204030204" pitchFamily="49" charset="0"/>
                 <a:cs typeface="Consolas" panose="020B0609020204030204" pitchFamily="49" charset="0"/>
               </a:rPr>
-              <a:t>     SharedAccessBlobPolicy() { </a:t>
-            </a:r>
-            <a:endParaRPr lang="en-US" altLang="en-US" sz="2000" b="0" kern="0">
+              <a:t>     </a:t>
+            </a:r>
+            <a:r>
+              <a:rPr lang="en-US" altLang="en-US" sz="2000" b="0" kern="0" dirty="0" err="1">
+                <a:solidFill>
+                  <a:srgbClr val="000000"/>
+                </a:solidFill>
+                <a:latin typeface="Consolas" panose="020B0609020204030204" pitchFamily="49" charset="0"/>
+                <a:cs typeface="Consolas" panose="020B0609020204030204" pitchFamily="49" charset="0"/>
+              </a:rPr>
+              <a:t>SharedAccessBlobPolicy</a:t>
+            </a:r>
+            <a:r>
+              <a:rPr lang="en-US" altLang="en-US" sz="2000" b="0" kern="0" dirty="0">
+                <a:solidFill>
+                  <a:srgbClr val="000000"/>
+                </a:solidFill>
+                <a:latin typeface="Consolas" panose="020B0609020204030204" pitchFamily="49" charset="0"/>
+                <a:cs typeface="Consolas" panose="020B0609020204030204" pitchFamily="49" charset="0"/>
+              </a:rPr>
+              <a:t>() { </a:t>
+            </a:r>
+            <a:endParaRPr lang="en-US" altLang="en-US" sz="2000" b="0" kern="0" dirty="0">
               <a:solidFill>
                 <a:srgbClr val="008000"/>
               </a:solidFill>
@@ -19579,14 +19587,54 @@
               <a:buNone/>
             </a:pPr>
             <a:r>
-              <a:rPr lang="en-US" altLang="en-US" sz="2000" b="0" kern="0">
+              <a:rPr lang="en-US" altLang="en-US" sz="2000" b="0" kern="0" dirty="0">
                 <a:solidFill>
                   <a:srgbClr val="000000"/>
                 </a:solidFill>
                 <a:latin typeface="Consolas" panose="020B0609020204030204" pitchFamily="49" charset="0"/>
                 <a:cs typeface="Consolas" panose="020B0609020204030204" pitchFamily="49" charset="0"/>
               </a:rPr>
-              <a:t>        SharedAccessExpiryTime =        DateTime.UtcNow.AddHours(10),</a:t>
+              <a:t>        </a:t>
+            </a:r>
+            <a:r>
+              <a:rPr lang="en-US" altLang="en-US" sz="2000" b="0" kern="0" dirty="0" err="1">
+                <a:solidFill>
+                  <a:srgbClr val="000000"/>
+                </a:solidFill>
+                <a:latin typeface="Consolas" panose="020B0609020204030204" pitchFamily="49" charset="0"/>
+                <a:cs typeface="Consolas" panose="020B0609020204030204" pitchFamily="49" charset="0"/>
+              </a:rPr>
+              <a:t>SharedAccessExpiryTime</a:t>
+            </a:r>
+            <a:r>
+              <a:rPr lang="en-US" altLang="en-US" sz="2000" b="0" kern="0" dirty="0">
+                <a:solidFill>
+                  <a:srgbClr val="000000"/>
+                </a:solidFill>
+                <a:latin typeface="Consolas" panose="020B0609020204030204" pitchFamily="49" charset="0"/>
+                <a:cs typeface="Consolas" panose="020B0609020204030204" pitchFamily="49" charset="0"/>
+              </a:rPr>
+              <a:t> =        </a:t>
+            </a:r>
+            <a:r>
+              <a:rPr lang="en-US" altLang="en-US" sz="2000" b="0" kern="0" dirty="0" err="1">
+                <a:solidFill>
+                  <a:srgbClr val="000000"/>
+                </a:solidFill>
+                <a:latin typeface="Consolas" panose="020B0609020204030204" pitchFamily="49" charset="0"/>
+                <a:cs typeface="Consolas" panose="020B0609020204030204" pitchFamily="49" charset="0"/>
+              </a:rPr>
+              <a:t>DateTime.UtcNow.AddHours</a:t>
+            </a:r>
+            <a:r>
+              <a:rPr lang="en-US" altLang="en-US" sz="2000" b="0" kern="0" dirty="0">
+                <a:solidFill>
+                  <a:srgbClr val="000000"/>
+                </a:solidFill>
+                <a:latin typeface="Consolas" panose="020B0609020204030204" pitchFamily="49" charset="0"/>
+                <a:cs typeface="Consolas" panose="020B0609020204030204" pitchFamily="49" charset="0"/>
+              </a:rPr>
+              <a:t>(10),</a:t>
             </a:r>
           </a:p>
           <a:p>
@@ -19594,14 +19642,34 @@
               <a:buNone/>
             </a:pPr>
             <a:r>
-              <a:rPr lang="en-US" altLang="en-US" sz="2000" b="0" kern="0">
+              <a:rPr lang="en-US" altLang="en-US" sz="2000" b="0" kern="0" dirty="0">
                 <a:solidFill>
                   <a:srgbClr val="000000"/>
                 </a:solidFill>
                 <a:latin typeface="Consolas" panose="020B0609020204030204" pitchFamily="49" charset="0"/>
                 <a:cs typeface="Consolas" panose="020B0609020204030204" pitchFamily="49" charset="0"/>
               </a:rPr>
-              <a:t>        Permissions = SharedAccessBlobPermissions.Read </a:t>
+              <a:t>        Permissions = </a:t>
+            </a:r>
+            <a:r>
+              <a:rPr lang="en-US" altLang="en-US" sz="2000" b="0" kern="0" dirty="0" err="1">
+                <a:solidFill>
+                  <a:srgbClr val="000000"/>
+                </a:solidFill>
+                <a:latin typeface="Consolas" panose="020B0609020204030204" pitchFamily="49" charset="0"/>
+                <a:cs typeface="Consolas" panose="020B0609020204030204" pitchFamily="49" charset="0"/>
+              </a:rPr>
+              <a:t>SharedAccessBlobPermissions.Read</a:t>
+            </a:r>
+            <a:r>
+              <a:rPr lang="en-US" altLang="en-US" sz="2000" b="0" kern="0" dirty="0">
+                <a:solidFill>
+                  <a:srgbClr val="000000"/>
+                </a:solidFill>
+                <a:latin typeface="Consolas" panose="020B0609020204030204" pitchFamily="49" charset="0"/>
+                <a:cs typeface="Consolas" panose="020B0609020204030204" pitchFamily="49" charset="0"/>
+              </a:rPr>
+              <a:t> </a:t>
             </a:r>
           </a:p>
           <a:p>
@@ -19609,7 +19677,7 @@
               <a:buNone/>
             </a:pPr>
             <a:r>
-              <a:rPr lang="en-US" altLang="en-US" sz="2000" b="0" kern="0">
+              <a:rPr lang="en-US" altLang="en-US" sz="2000" b="0" kern="0" dirty="0">
                 <a:solidFill>
                   <a:srgbClr val="000000"/>
                 </a:solidFill>
@@ -19624,7 +19692,7 @@
               <a:buNone/>
             </a:pPr>
             <a:r>
-              <a:rPr lang="en-US" altLang="en-US" sz="2000" b="0" kern="0">
+              <a:rPr lang="en-US" altLang="en-US" sz="2000" b="0" kern="0" dirty="0">
                 <a:solidFill>
                   <a:srgbClr val="000000"/>
                 </a:solidFill>
@@ -19639,14 +19707,44 @@
               <a:buNone/>
             </a:pPr>
             <a:r>
-              <a:rPr lang="en-US" altLang="en-US" sz="2000" b="0" kern="0">
+              <a:rPr lang="en-US" altLang="en-US" sz="2000" b="0" kern="0" dirty="0" err="1">
                 <a:solidFill>
                   <a:srgbClr val="000000"/>
                 </a:solidFill>
                 <a:latin typeface="Consolas" panose="020B0609020204030204" pitchFamily="49" charset="0"/>
                 <a:cs typeface="Consolas" panose="020B0609020204030204" pitchFamily="49" charset="0"/>
               </a:rPr>
-              <a:t>blobPermissions.PublicAccess = BlobContainerPublicAccessType.Off; </a:t>
+              <a:t>blobPermissions.PublicAccess</a:t>
+            </a:r>
+            <a:r>
+              <a:rPr lang="en-US" altLang="en-US" sz="2000" b="0" kern="0" dirty="0">
+                <a:solidFill>
+                  <a:srgbClr val="000000"/>
+                </a:solidFill>
+                <a:latin typeface="Consolas" panose="020B0609020204030204" pitchFamily="49" charset="0"/>
+                <a:cs typeface="Consolas" panose="020B0609020204030204" pitchFamily="49" charset="0"/>
+              </a:rPr>
+              <a:t> = </a:t>
+            </a:r>
+            <a:r>
+              <a:rPr lang="en-US" altLang="en-US" sz="2000" b="0" kern="0" dirty="0" err="1">
+                <a:solidFill>
+                  <a:srgbClr val="000000"/>
+                </a:solidFill>
+                <a:latin typeface="Consolas" panose="020B0609020204030204" pitchFamily="49" charset="0"/>
+                <a:cs typeface="Consolas" panose="020B0609020204030204" pitchFamily="49" charset="0"/>
+              </a:rPr>
+              <a:t>BlobContainerPublicAccessType.Off</a:t>
+            </a:r>
+            <a:r>
+              <a:rPr lang="en-US" altLang="en-US" sz="2000" b="0" kern="0" dirty="0">
+                <a:solidFill>
+                  <a:srgbClr val="000000"/>
+                </a:solidFill>
+                <a:latin typeface="Consolas" panose="020B0609020204030204" pitchFamily="49" charset="0"/>
+                <a:cs typeface="Consolas" panose="020B0609020204030204" pitchFamily="49" charset="0"/>
+              </a:rPr>
+              <a:t>; </a:t>
             </a:r>
             <a:endParaRPr lang="en-US" sz="1600" b="0" kern="0" dirty="0">
               <a:solidFill>
@@ -19707,7 +19805,6 @@
               <a:rPr lang="en-US"/>
               <a:t>Generating Shared Access Signatures from Policies</a:t>
             </a:r>
-            <a:endParaRPr lang="en-US"/>
           </a:p>
         </p:txBody>
       </p:sp>
@@ -20245,7 +20342,6 @@
               <a:rPr lang="en-US"/>
               <a:t>Lesson 3: Configuring Azure Storage Accounts</a:t>
             </a:r>
-            <a:endParaRPr lang="en-US"/>
           </a:p>
         </p:txBody>
       </p:sp>
@@ -20269,7 +20365,6 @@
               <a:t>Content Delivery Network
 Cross-Origin Resource Sharing</a:t>
             </a:r>
-            <a:endParaRPr lang="en-US"/>
           </a:p>
         </p:txBody>
       </p:sp>
@@ -20322,7 +20417,6 @@
               <a:rPr lang="en-US"/>
               <a:t>Content Delivery Network</a:t>
             </a:r>
-            <a:endParaRPr lang="en-US"/>
           </a:p>
         </p:txBody>
       </p:sp>
@@ -20563,7 +20657,7 @@
           <a:p>
             <a:pPr lvl="0"/>
             <a:r>
-              <a:rPr lang="en-US" b="0" kern="0">
+              <a:rPr lang="en-US" b="0" kern="0" dirty="0">
                 <a:solidFill>
                   <a:srgbClr val="000000"/>
                 </a:solidFill>
@@ -20574,7 +20668,7 @@
           <a:p>
             <a:pPr lvl="0"/>
             <a:r>
-              <a:rPr lang="en-US" b="0" kern="0">
+              <a:rPr lang="en-US" b="0" kern="0" dirty="0">
                 <a:solidFill>
                   <a:srgbClr val="000000"/>
                 </a:solidFill>
@@ -20585,7 +20679,7 @@
           <a:p>
             <a:pPr lvl="0"/>
             <a:r>
-              <a:rPr lang="en-US" b="0" kern="0">
+              <a:rPr lang="en-US" b="0" kern="0" dirty="0">
                 <a:solidFill>
                   <a:srgbClr val="000000"/>
                 </a:solidFill>
@@ -20596,18 +20690,13 @@
           <a:p>
             <a:pPr lvl="0"/>
             <a:r>
-              <a:rPr lang="en-US" b="0" kern="0">
+              <a:rPr lang="en-US" b="0" kern="0" dirty="0">
                 <a:solidFill>
                   <a:srgbClr val="000000"/>
                 </a:solidFill>
               </a:rPr>
               <a:t>CDN content can be configured to be served from a custom domain</a:t>
             </a:r>
-            <a:endParaRPr lang="en-US" b="0" kern="0" dirty="0">
-              <a:solidFill>
-                <a:srgbClr val="000000"/>
-              </a:solidFill>
-            </a:endParaRPr>
           </a:p>
         </p:txBody>
       </p:sp>
@@ -20660,7 +20749,6 @@
               <a:rPr lang="en-US"/>
               <a:t>Cross-Origin Resource Sharing</a:t>
             </a:r>
-            <a:endParaRPr lang="en-US"/>
           </a:p>
         </p:txBody>
       </p:sp>
@@ -20901,7 +20989,7 @@
           <a:p>
             <a:pPr lvl="0"/>
             <a:r>
-              <a:rPr lang="en-US" b="0" kern="0">
+              <a:rPr lang="en-US" b="0" kern="0" dirty="0">
                 <a:solidFill>
                   <a:srgbClr val="000000"/>
                 </a:solidFill>
@@ -20912,7 +21000,7 @@
           <a:p>
             <a:pPr lvl="1"/>
             <a:r>
-              <a:rPr lang="en-US" b="0" kern="0">
+              <a:rPr lang="en-US" b="0" kern="0" dirty="0">
                 <a:solidFill>
                   <a:srgbClr val="000000"/>
                 </a:solidFill>
@@ -20923,7 +21011,7 @@
           <a:p>
             <a:pPr lvl="0"/>
             <a:r>
-              <a:rPr lang="en-US" b="0" kern="0">
+              <a:rPr lang="en-US" b="0" kern="0" dirty="0">
                 <a:solidFill>
                   <a:srgbClr val="000000"/>
                 </a:solidFill>
@@ -20934,18 +21022,34 @@
           <a:p>
             <a:pPr lvl="1"/>
             <a:r>
-              <a:rPr lang="en-US" b="0" kern="0">
+              <a:rPr lang="en-US" b="0" kern="0" dirty="0">
                 <a:solidFill>
                   <a:srgbClr val="000000"/>
                 </a:solidFill>
               </a:rPr>
-              <a:t>Composed of two requests (preflight and actual).</a:t>
+              <a:t>Composed of two requests (</a:t>
+            </a:r>
+            <a:r>
+              <a:rPr lang="en-US" b="0" kern="0" dirty="0">
+                <a:solidFill>
+                  <a:srgbClr val="FF0000"/>
+                </a:solidFill>
+              </a:rPr>
+              <a:t>preflight and actual</a:t>
+            </a:r>
+            <a:r>
+              <a:rPr lang="en-US" b="0" kern="0" dirty="0">
+                <a:solidFill>
+                  <a:srgbClr val="000000"/>
+                </a:solidFill>
+              </a:rPr>
+              <a:t>).</a:t>
             </a:r>
           </a:p>
           <a:p>
             <a:pPr lvl="0"/>
             <a:r>
-              <a:rPr lang="en-US" b="0" kern="0">
+              <a:rPr lang="en-US" b="0" kern="0" dirty="0">
                 <a:solidFill>
                   <a:srgbClr val="000000"/>
                 </a:solidFill>
@@ -20956,7 +21060,7 @@
           <a:p>
             <a:pPr lvl="1"/>
             <a:r>
-              <a:rPr lang="en-US" b="0" kern="0">
+              <a:rPr lang="en-US" b="0" kern="0" dirty="0">
                 <a:solidFill>
                   <a:srgbClr val="000000"/>
                 </a:solidFill>
@@ -20967,7 +21071,7 @@
           <a:p>
             <a:pPr lvl="1"/>
             <a:r>
-              <a:rPr lang="en-US" b="0" kern="0">
+              <a:rPr lang="en-US" b="0" kern="0" dirty="0">
                 <a:solidFill>
                   <a:srgbClr val="000000"/>
                 </a:solidFill>
@@ -21034,7 +21138,6 @@
               <a:rPr lang="en-US"/>
               <a:t>Module Overview</a:t>
             </a:r>
-            <a:endParaRPr lang="en-US"/>
           </a:p>
         </p:txBody>
       </p:sp>
@@ -21060,7 +21163,6 @@
 Configuring Azure Storage Accounts
 Azure Files</a:t>
             </a:r>
-            <a:endParaRPr lang="en-US"/>
           </a:p>
         </p:txBody>
       </p:sp>
@@ -21113,7 +21215,6 @@
               <a:rPr lang="en-US"/>
               <a:t>Lesson 4: Azure Files</a:t>
             </a:r>
-            <a:endParaRPr lang="en-US"/>
           </a:p>
         </p:txBody>
       </p:sp>
@@ -21137,7 +21238,6 @@
               <a:t>Azure Files Overview
 File Shares</a:t>
             </a:r>
-            <a:endParaRPr lang="en-US"/>
           </a:p>
         </p:txBody>
       </p:sp>
@@ -21190,7 +21290,6 @@
               <a:rPr lang="en-US"/>
               <a:t>Azure Files Overview</a:t>
             </a:r>
-            <a:endParaRPr lang="en-US"/>
           </a:p>
         </p:txBody>
       </p:sp>
@@ -21431,7 +21530,7 @@
           <a:p>
             <a:pPr lvl="0"/>
             <a:r>
-              <a:rPr lang="en-US" b="0" kern="0">
+              <a:rPr lang="en-US" b="0" kern="0" dirty="0">
                 <a:solidFill>
                   <a:srgbClr val="000000"/>
                 </a:solidFill>
@@ -21442,18 +21541,34 @@
           <a:p>
             <a:pPr lvl="0"/>
             <a:r>
-              <a:rPr lang="en-US" b="0" kern="0">
+              <a:rPr lang="en-US" b="0" kern="0" dirty="0">
                 <a:solidFill>
                   <a:srgbClr val="000000"/>
                 </a:solidFill>
               </a:rPr>
-              <a:t>Since SMB is a common standard for file shares in Windows, this enables “Lift and Shift” scenarios.</a:t>
+              <a:t>Since SMB is a common standard for file shares in Windows, this enables “</a:t>
+            </a:r>
+            <a:r>
+              <a:rPr lang="en-US" b="0" kern="0" dirty="0">
+                <a:solidFill>
+                  <a:srgbClr val="FF0000"/>
+                </a:solidFill>
+              </a:rPr>
+              <a:t>Lift and Shift</a:t>
+            </a:r>
+            <a:r>
+              <a:rPr lang="en-US" b="0" kern="0" dirty="0">
+                <a:solidFill>
+                  <a:srgbClr val="000000"/>
+                </a:solidFill>
+              </a:rPr>
+              <a:t>” scenarios.</a:t>
             </a:r>
           </a:p>
           <a:p>
             <a:pPr lvl="1"/>
             <a:r>
-              <a:rPr lang="en-US" b="0" kern="0">
+              <a:rPr lang="en-US" b="0" kern="0" dirty="0">
                 <a:solidFill>
                   <a:srgbClr val="000000"/>
                 </a:solidFill>
@@ -21464,18 +21579,13 @@
           <a:p>
             <a:pPr lvl="1"/>
             <a:r>
-              <a:rPr lang="en-US" b="0" kern="0">
+              <a:rPr lang="en-US" b="0" kern="0" dirty="0">
                 <a:solidFill>
                   <a:srgbClr val="000000"/>
                 </a:solidFill>
               </a:rPr>
               <a:t>Very low friction method of migrating applications and workloads to Azure VMs.</a:t>
             </a:r>
-            <a:endParaRPr lang="en-US" b="0" kern="0" dirty="0">
-              <a:solidFill>
-                <a:srgbClr val="000000"/>
-              </a:solidFill>
-            </a:endParaRPr>
           </a:p>
         </p:txBody>
       </p:sp>
@@ -21528,7 +21638,6 @@
               <a:rPr lang="en-US"/>
               <a:t>File Shares</a:t>
             </a:r>
-            <a:endParaRPr lang="en-US"/>
           </a:p>
         </p:txBody>
       </p:sp>
@@ -21855,7 +21964,6 @@
               <a:rPr lang="en-US"/>
               <a:t>Lab: Storing Generated Documents in Azure Storage Blobs</a:t>
             </a:r>
-            <a:endParaRPr lang="en-US"/>
           </a:p>
         </p:txBody>
       </p:sp>
@@ -21906,9 +22014,6 @@
               </a:rPr>
               <a:t>Estimated Time: 60 minutes</a:t>
             </a:r>
-            <a:endParaRPr lang="en-US" sz="2800">
-              <a:latin typeface="Segoe UI" panose="020B0502040204020203" pitchFamily="34" charset="0"/>
-            </a:endParaRPr>
           </a:p>
         </p:txBody>
       </p:sp>
@@ -21961,7 +22066,6 @@
               <a:rPr lang="en-US"/>
               <a:t>Lab Scenario</a:t>
             </a:r>
-            <a:endParaRPr lang="en-US"/>
           </a:p>
         </p:txBody>
       </p:sp>
@@ -22061,7 +22165,6 @@
               <a:rPr lang="en-US"/>
               <a:t>Lab Review</a:t>
             </a:r>
-            <a:endParaRPr lang="en-US"/>
           </a:p>
         </p:txBody>
       </p:sp>
@@ -22084,7 +22187,6 @@
               <a:rPr lang="en-US"/>
               <a:t>Your server application needs to generate a SAS for the client to download a subset of blobs in a single container. Should you give the signature read access to the container or read access to the individual blobs?</a:t>
             </a:r>
-            <a:endParaRPr lang="en-US"/>
           </a:p>
         </p:txBody>
       </p:sp>
@@ -22137,7 +22239,6 @@
               <a:rPr lang="en-US"/>
               <a:t>Module Review and Takeaways</a:t>
             </a:r>
-            <a:endParaRPr lang="en-US"/>
           </a:p>
         </p:txBody>
       </p:sp>
@@ -22160,7 +22261,6 @@
               <a:rPr lang="en-US"/>
               <a:t>Review Question(s)</a:t>
             </a:r>
-            <a:endParaRPr lang="en-US"/>
           </a:p>
         </p:txBody>
       </p:sp>
@@ -22213,7 +22313,6 @@
               <a:rPr lang="en-US"/>
               <a:t>Lesson 1: Storage Blobs</a:t>
             </a:r>
-            <a:endParaRPr lang="en-US"/>
           </a:p>
         </p:txBody>
       </p:sp>
@@ -22238,7 +22337,6 @@
 Blob Types
 REST API for Storage Blobs</a:t>
             </a:r>
-            <a:endParaRPr lang="en-US"/>
           </a:p>
         </p:txBody>
       </p:sp>
@@ -22291,7 +22389,6 @@
               <a:rPr lang="en-US"/>
               <a:t>Storage Blobs</a:t>
             </a:r>
-            <a:endParaRPr lang="en-US"/>
           </a:p>
         </p:txBody>
       </p:sp>
@@ -22673,7 +22770,6 @@
               <a:rPr lang="en-US"/>
               <a:t>Storage Blobs (cont.)</a:t>
             </a:r>
-            <a:endParaRPr lang="en-US"/>
           </a:p>
         </p:txBody>
       </p:sp>
@@ -22750,7 +22846,6 @@
               <a:rPr lang="en-US"/>
               <a:t>Blob Types</a:t>
             </a:r>
-            <a:endParaRPr lang="en-US"/>
           </a:p>
         </p:txBody>
       </p:sp>
@@ -23088,7 +23183,6 @@
               <a:rPr lang="en-US"/>
               <a:t>Page Blobs</a:t>
             </a:r>
-            <a:endParaRPr lang="en-US"/>
           </a:p>
         </p:txBody>
       </p:sp>
@@ -23470,7 +23564,6 @@
               <a:rPr lang="en-US"/>
               <a:t>Block Blobs</a:t>
             </a:r>
-            <a:endParaRPr lang="en-US"/>
           </a:p>
         </p:txBody>
       </p:sp>
@@ -23852,7 +23945,6 @@
               <a:rPr lang="en-US"/>
               <a:t>REST API for Storage Blobs</a:t>
             </a:r>
-            <a:endParaRPr lang="en-US"/>
           </a:p>
         </p:txBody>
       </p:sp>
@@ -24093,7 +24185,7 @@
           <a:p>
             <a:pPr lvl="0"/>
             <a:r>
-              <a:rPr lang="en-US" b="0" kern="0">
+              <a:rPr lang="en-US" b="0" kern="0" dirty="0">
                 <a:solidFill>
                   <a:srgbClr val="000000"/>
                 </a:solidFill>
@@ -24104,7 +24196,7 @@
           <a:p>
             <a:pPr lvl="1"/>
             <a:r>
-              <a:rPr lang="en-US" b="0" kern="0">
+              <a:rPr lang="en-US" b="0" kern="0" dirty="0">
                 <a:solidFill>
                   <a:srgbClr val="000000"/>
                 </a:solidFill>
@@ -24115,7 +24207,7 @@
           <a:p>
             <a:pPr lvl="2"/>
             <a:r>
-              <a:rPr lang="en-US" b="0" kern="0">
+              <a:rPr lang="en-US" b="0" kern="0" dirty="0">
                 <a:solidFill>
                   <a:srgbClr val="000000"/>
                 </a:solidFill>
@@ -24124,7 +24216,7 @@
               <a:t>https://[account].blob.core.windows.net/[container]/[blob</a:t>
             </a:r>
             <a:r>
-              <a:rPr lang="en-US" b="0" kern="0">
+              <a:rPr lang="en-US" b="0" kern="0" dirty="0">
                 <a:solidFill>
                   <a:srgbClr val="000000"/>
                 </a:solidFill>
@@ -24135,7 +24227,7 @@
           <a:p>
             <a:pPr lvl="1"/>
             <a:r>
-              <a:rPr lang="en-US" b="0" kern="0">
+              <a:rPr lang="en-US" b="0" kern="0" dirty="0">
                 <a:solidFill>
                   <a:srgbClr val="000000"/>
                 </a:solidFill>
@@ -24146,7 +24238,7 @@
           <a:p>
             <a:pPr lvl="0"/>
             <a:r>
-              <a:rPr lang="en-US" b="0" kern="0">
+              <a:rPr lang="en-US" b="0" kern="0" dirty="0">
                 <a:solidFill>
                   <a:srgbClr val="000000"/>
                 </a:solidFill>
@@ -24154,7 +24246,7 @@
               <a:t>You can access containers for operations by using the </a:t>
             </a:r>
             <a:r>
-              <a:rPr lang="en-US" kern="0">
+              <a:rPr lang="en-US" kern="0" dirty="0" err="1">
                 <a:solidFill>
                   <a:srgbClr val="000000"/>
                 </a:solidFill>
@@ -24162,7 +24254,7 @@
               <a:t>restype</a:t>
             </a:r>
             <a:r>
-              <a:rPr lang="en-US" b="0" kern="0">
+              <a:rPr lang="en-US" b="0" kern="0" dirty="0">
                 <a:solidFill>
                   <a:srgbClr val="000000"/>
                 </a:solidFill>
@@ -24173,7 +24265,7 @@
           <a:p>
             <a:pPr lvl="1"/>
             <a:r>
-              <a:rPr lang="en-US" b="0" kern="0">
+              <a:rPr lang="en-US" b="0" kern="0" dirty="0">
                 <a:solidFill>
                   <a:srgbClr val="000000"/>
                 </a:solidFill>
@@ -24182,7 +24274,7 @@
               <a:t>https://[</a:t>
             </a:r>
             <a:r>
-              <a:rPr lang="en-US" b="0" i="1" kern="0">
+              <a:rPr lang="en-US" b="0" i="1" kern="0" dirty="0">
                 <a:solidFill>
                   <a:srgbClr val="000000"/>
                 </a:solidFill>
@@ -24191,7 +24283,7 @@
               <a:t>account</a:t>
             </a:r>
             <a:r>
-              <a:rPr lang="en-US" b="0" kern="0">
+              <a:rPr lang="en-US" b="0" kern="0" dirty="0">
                 <a:solidFill>
                   <a:srgbClr val="000000"/>
                 </a:solidFill>
@@ -24200,7 +24292,7 @@
               <a:t>].blob.core.windows.net/[</a:t>
             </a:r>
             <a:r>
-              <a:rPr lang="en-US" b="0" i="1" kern="0">
+              <a:rPr lang="en-US" b="0" i="1" kern="0" dirty="0">
                 <a:solidFill>
                   <a:srgbClr val="000000"/>
                 </a:solidFill>
@@ -24209,35 +24301,30 @@
               <a:t>container</a:t>
             </a:r>
             <a:r>
-              <a:rPr lang="en-US" b="0" kern="0">
+              <a:rPr lang="en-US" b="0" kern="0" dirty="0">
                 <a:solidFill>
                   <a:srgbClr val="000000"/>
                 </a:solidFill>
                 <a:hlinkClick r:id="rId4"/>
               </a:rPr>
               <a:t>]?restype=container</a:t>
-            </a:r>
-            <a:endParaRPr lang="en-US" b="0" kern="0">
-              <a:solidFill>
-                <a:srgbClr val="000000"/>
-              </a:solidFill>
-            </a:endParaRPr>
-          </a:p>
-          <a:p>
-            <a:pPr lvl="0"/>
-            <a:r>
-              <a:rPr lang="en-US" b="0" kern="0">
-                <a:solidFill>
-                  <a:srgbClr val="000000"/>
-                </a:solidFill>
-              </a:rPr>
-              <a:t>You can append Shared Access Signature (SAS) tokens to the end of a URL to access protected blobs</a:t>
             </a:r>
             <a:endParaRPr lang="en-US" b="0" kern="0" dirty="0">
               <a:solidFill>
                 <a:srgbClr val="000000"/>
               </a:solidFill>
             </a:endParaRPr>
+          </a:p>
+          <a:p>
+            <a:pPr lvl="0"/>
+            <a:r>
+              <a:rPr lang="en-US" b="0" kern="0" dirty="0">
+                <a:solidFill>
+                  <a:srgbClr val="000000"/>
+                </a:solidFill>
+              </a:rPr>
+              <a:t>You can append Shared Access Signature (SAS) tokens to the end of a URL to access protected blobs</a:t>
+            </a:r>
           </a:p>
         </p:txBody>
       </p:sp>
